--- a/9-Deployment/Deployment.pptx
+++ b/9-Deployment/Deployment.pptx
@@ -2961,6 +2961,14 @@
 <file path=ppt/slides/slide1.xml><?xml version="1.0" encoding="utf-8"?>
 <p:sld xmlns:a="http://schemas.openxmlformats.org/drawingml/2006/main" xmlns:r="http://schemas.openxmlformats.org/officeDocument/2006/relationships" xmlns:p="http://schemas.openxmlformats.org/presentationml/2006/main">
   <p:cSld>
+    <p:bg>
+      <p:bgPr>
+        <a:solidFill>
+          <a:schemeClr val="bg1"/>
+        </a:solidFill>
+        <a:effectLst/>
+      </p:bgPr>
+    </p:bg>
     <p:spTree>
       <p:nvGrpSpPr>
         <p:cNvPr id="1" name=""/>
@@ -2977,57 +2985,159 @@
       </p:grpSpPr>
       <p:sp>
         <p:nvSpPr>
-          <p:cNvPr id="2" name="Title 1"/>
-          <p:cNvSpPr>
-            <a:spLocks noGrp="1"/>
-          </p:cNvSpPr>
-          <p:nvPr>
-            <p:ph type="title"/>
-          </p:nvPr>
-        </p:nvSpPr>
-        <p:spPr/>
-        <p:txBody>
-          <a:bodyPr/>
-          <a:lstStyle/>
-          <a:p>
-            <a:r>
-              <a:rPr lang="en-US" dirty="0"/>
-              <a:t>What are deployments</a:t>
-            </a:r>
-            <a:endParaRPr lang="en-SG" dirty="0"/>
-          </a:p>
-        </p:txBody>
-      </p:sp>
-      <p:pic>
-        <p:nvPicPr>
-          <p:cNvPr id="4" name="Content Placeholder 3"/>
-          <p:cNvPicPr>
-            <a:picLocks noGrp="1" noChangeAspect="1"/>
-          </p:cNvPicPr>
-          <p:nvPr>
-            <p:ph idx="1"/>
-          </p:nvPr>
-        </p:nvPicPr>
-        <p:blipFill>
-          <a:blip r:embed="rId2"/>
-          <a:stretch>
-            <a:fillRect/>
-          </a:stretch>
-        </p:blipFill>
-        <p:spPr>
+          <p:cNvPr id="10" name="Rectangle 9">
+            <a:extLst>
+              <a:ext uri="{FF2B5EF4-FFF2-40B4-BE49-F238E27FC236}">
+                <a16:creationId xmlns:a16="http://schemas.microsoft.com/office/drawing/2014/main" id="{823AC064-BC96-4F32-8AE1-B2FD38754823}"/>
+              </a:ext>
+              <a:ext uri="{C183D7F6-B498-43B3-948B-1728B52AA6E4}">
+                <adec:decorative xmlns:adec="http://schemas.microsoft.com/office/drawing/2017/decorative" val="1"/>
+              </a:ext>
+            </a:extLst>
+          </p:cNvPr>
+          <p:cNvSpPr>
+            <a:spLocks noGrp="1" noRot="1" noChangeAspect="1" noMove="1" noResize="1" noEditPoints="1" noAdjustHandles="1" noChangeArrowheads="1" noChangeShapeType="1" noTextEdit="1"/>
+          </p:cNvSpPr>
+          <p:nvPr>
+            <p:extLst>
+              <p:ext uri="{386F3935-93C4-4BCD-93E2-E3B085C9AB24}">
+                <p16:designElem xmlns:p16="http://schemas.microsoft.com/office/powerpoint/2015/main" val="1"/>
+              </p:ext>
+            </p:extLst>
+          </p:nvPr>
+        </p:nvSpPr>
+        <p:spPr bwMode="ltGray">
           <a:xfrm>
-            <a:off x="1159118" y="1983825"/>
-            <a:ext cx="8961275" cy="2816775"/>
+            <a:off x="396882" y="280374"/>
+            <a:ext cx="11438793" cy="1844256"/>
           </a:xfrm>
           <a:prstGeom prst="rect">
             <a:avLst/>
           </a:prstGeom>
+          <a:solidFill>
+            <a:srgbClr val="404040"/>
+          </a:solidFill>
+          <a:ln w="127000" cap="sq" cmpd="thinThick">
+            <a:solidFill>
+              <a:srgbClr val="404040"/>
+            </a:solidFill>
+          </a:ln>
         </p:spPr>
-      </p:pic>
+        <p:style>
+          <a:lnRef idx="2">
+            <a:schemeClr val="accent1">
+              <a:shade val="50000"/>
+            </a:schemeClr>
+          </a:lnRef>
+          <a:fillRef idx="1">
+            <a:schemeClr val="accent1"/>
+          </a:fillRef>
+          <a:effectRef idx="0">
+            <a:schemeClr val="accent1"/>
+          </a:effectRef>
+          <a:fontRef idx="minor">
+            <a:schemeClr val="lt1"/>
+          </a:fontRef>
+        </p:style>
+        <p:txBody>
+          <a:bodyPr rtlCol="0" anchor="ctr"/>
+          <a:lstStyle/>
+          <a:p>
+            <a:pPr algn="ctr"/>
+            <a:endParaRPr lang="en-US"/>
+          </a:p>
+        </p:txBody>
+      </p:sp>
+      <p:sp>
+        <p:nvSpPr>
+          <p:cNvPr id="2" name="Title 1"/>
+          <p:cNvSpPr>
+            <a:spLocks noGrp="1"/>
+          </p:cNvSpPr>
+          <p:nvPr>
+            <p:ph type="title"/>
+          </p:nvPr>
+        </p:nvSpPr>
+        <p:spPr>
+          <a:xfrm>
+            <a:off x="546351" y="433545"/>
+            <a:ext cx="11139854" cy="930447"/>
+          </a:xfrm>
+        </p:spPr>
+        <p:txBody>
+          <a:bodyPr vert="horz" lIns="91440" tIns="45720" rIns="91440" bIns="45720" rtlCol="0" anchor="b">
+            <a:normAutofit/>
+          </a:bodyPr>
+          <a:lstStyle/>
+          <a:p>
+            <a:pPr algn="ctr"/>
+            <a:r>
+              <a:rPr lang="en-US" sz="5400">
+                <a:solidFill>
+                  <a:srgbClr val="FFFFFF"/>
+                </a:solidFill>
+              </a:rPr>
+              <a:t>What are deployments</a:t>
+            </a:r>
+          </a:p>
+        </p:txBody>
+      </p:sp>
+      <p:cxnSp>
+        <p:nvCxnSpPr>
+          <p:cNvPr id="12" name="Straight Connector 11">
+            <a:extLst>
+              <a:ext uri="{FF2B5EF4-FFF2-40B4-BE49-F238E27FC236}">
+                <a16:creationId xmlns:a16="http://schemas.microsoft.com/office/drawing/2014/main" id="{7E7C77BC-7138-40B1-A15B-20F57A494629}"/>
+              </a:ext>
+              <a:ext uri="{C183D7F6-B498-43B3-948B-1728B52AA6E4}">
+                <adec:decorative xmlns:adec="http://schemas.microsoft.com/office/drawing/2017/decorative" val="1"/>
+              </a:ext>
+            </a:extLst>
+          </p:cNvPr>
+          <p:cNvCxnSpPr>
+            <a:cxnSpLocks noGrp="1" noRot="1" noChangeAspect="1" noMove="1" noResize="1" noEditPoints="1" noAdjustHandles="1" noChangeArrowheads="1" noChangeShapeType="1"/>
+          </p:cNvCxnSpPr>
+          <p:nvPr>
+            <p:extLst>
+              <p:ext uri="{386F3935-93C4-4BCD-93E2-E3B085C9AB24}">
+                <p16:designElem xmlns:p16="http://schemas.microsoft.com/office/powerpoint/2015/main" val="1"/>
+              </p:ext>
+            </p:extLst>
+          </p:nvPr>
+        </p:nvCxnSpPr>
+        <p:spPr>
+          <a:xfrm>
+            <a:off x="2230078" y="1522292"/>
+            <a:ext cx="7772400" cy="0"/>
+          </a:xfrm>
+          <a:prstGeom prst="line">
+            <a:avLst/>
+          </a:prstGeom>
+          <a:ln w="22225">
+            <a:solidFill>
+              <a:srgbClr val="D9D9D9"/>
+            </a:solidFill>
+          </a:ln>
+        </p:spPr>
+        <p:style>
+          <a:lnRef idx="1">
+            <a:schemeClr val="accent1"/>
+          </a:lnRef>
+          <a:fillRef idx="0">
+            <a:schemeClr val="accent1"/>
+          </a:fillRef>
+          <a:effectRef idx="0">
+            <a:schemeClr val="accent1"/>
+          </a:effectRef>
+          <a:fontRef idx="minor">
+            <a:schemeClr val="tx1"/>
+          </a:fontRef>
+        </p:style>
+      </p:cxnSp>
       <p:pic>
         <p:nvPicPr>
           <p:cNvPr id="5" name="Picture 3" descr="Image result for kubernetes">
-            <a:hlinkClick r:id="rId3"/>
+            <a:hlinkClick r:id="rId2"/>
             <a:extLst>
               <a:ext uri="{FF2B5EF4-FFF2-40B4-BE49-F238E27FC236}">
                 <a16:creationId xmlns:a16="http://schemas.microsoft.com/office/drawing/2014/main" id="{2A3F68B7-C145-4749-A575-2757BF29C6F4}"/>
@@ -3040,7 +3150,7 @@
           <p:nvPr/>
         </p:nvPicPr>
         <p:blipFill>
-          <a:blip r:embed="rId4">
+          <a:blip r:embed="rId3">
             <a:extLst>
               <a:ext uri="{28A0092B-C50C-407E-A947-70E740481C1C}">
                 <a14:useLocalDpi xmlns:a14="http://schemas.microsoft.com/office/drawing/2010/main" val="0"/>
@@ -3054,8 +3164,8 @@
         </p:blipFill>
         <p:spPr bwMode="auto">
           <a:xfrm>
-            <a:off x="10002576" y="4823578"/>
-            <a:ext cx="1990725" cy="1943100"/>
+            <a:off x="1011716" y="2426818"/>
+            <a:ext cx="4095618" cy="3997637"/>
           </a:xfrm>
           <a:prstGeom prst="rect">
             <a:avLst/>
@@ -3070,6 +3180,84 @@
               </a14:hiddenFill>
             </a:ext>
           </a:extLst>
+        </p:spPr>
+      </p:pic>
+      <p:cxnSp>
+        <p:nvCxnSpPr>
+          <p:cNvPr id="14" name="Straight Connector 13">
+            <a:extLst>
+              <a:ext uri="{FF2B5EF4-FFF2-40B4-BE49-F238E27FC236}">
+                <a16:creationId xmlns:a16="http://schemas.microsoft.com/office/drawing/2014/main" id="{DB146403-F3D6-484B-B2ED-97F9565D0370}"/>
+              </a:ext>
+              <a:ext uri="{C183D7F6-B498-43B3-948B-1728B52AA6E4}">
+                <adec:decorative xmlns:adec="http://schemas.microsoft.com/office/drawing/2017/decorative" val="1"/>
+              </a:ext>
+            </a:extLst>
+          </p:cNvPr>
+          <p:cNvCxnSpPr>
+            <a:cxnSpLocks noGrp="1" noRot="1" noChangeAspect="1" noMove="1" noResize="1" noEditPoints="1" noAdjustHandles="1" noChangeArrowheads="1" noChangeShapeType="1"/>
+          </p:cNvCxnSpPr>
+          <p:nvPr>
+            <p:extLst>
+              <p:ext uri="{386F3935-93C4-4BCD-93E2-E3B085C9AB24}">
+                <p16:designElem xmlns:p16="http://schemas.microsoft.com/office/powerpoint/2015/main" val="1"/>
+              </p:ext>
+            </p:extLst>
+          </p:nvPr>
+        </p:nvCxnSpPr>
+        <p:spPr>
+          <a:xfrm>
+            <a:off x="6116278" y="2596836"/>
+            <a:ext cx="0" cy="3657600"/>
+          </a:xfrm>
+          <a:prstGeom prst="line">
+            <a:avLst/>
+          </a:prstGeom>
+          <a:ln w="101600" cmpd="dbl">
+            <a:solidFill>
+              <a:srgbClr val="595959"/>
+            </a:solidFill>
+          </a:ln>
+        </p:spPr>
+        <p:style>
+          <a:lnRef idx="1">
+            <a:schemeClr val="accent1"/>
+          </a:lnRef>
+          <a:fillRef idx="0">
+            <a:schemeClr val="accent1"/>
+          </a:fillRef>
+          <a:effectRef idx="0">
+            <a:schemeClr val="accent1"/>
+          </a:effectRef>
+          <a:fontRef idx="minor">
+            <a:schemeClr val="tx1"/>
+          </a:fontRef>
+        </p:style>
+      </p:cxnSp>
+      <p:pic>
+        <p:nvPicPr>
+          <p:cNvPr id="4" name="Content Placeholder 3"/>
+          <p:cNvPicPr>
+            <a:picLocks noGrp="1" noChangeAspect="1"/>
+          </p:cNvPicPr>
+          <p:nvPr>
+            <p:ph idx="1"/>
+          </p:nvPr>
+        </p:nvPicPr>
+        <p:blipFill>
+          <a:blip r:embed="rId4"/>
+          <a:stretch>
+            <a:fillRect/>
+          </a:stretch>
+        </p:blipFill>
+        <p:spPr>
+          <a:xfrm>
+            <a:off x="6445073" y="3566329"/>
+            <a:ext cx="5455917" cy="1718614"/>
+          </a:xfrm>
+          <a:prstGeom prst="rect">
+            <a:avLst/>
+          </a:prstGeom>
         </p:spPr>
       </p:pic>
     </p:spTree>
@@ -3088,6 +3276,14 @@
 <file path=ppt/slides/slide2.xml><?xml version="1.0" encoding="utf-8"?>
 <p:sld xmlns:a="http://schemas.openxmlformats.org/drawingml/2006/main" xmlns:r="http://schemas.openxmlformats.org/officeDocument/2006/relationships" xmlns:p="http://schemas.openxmlformats.org/presentationml/2006/main">
   <p:cSld>
+    <p:bg>
+      <p:bgPr>
+        <a:solidFill>
+          <a:schemeClr val="bg1"/>
+        </a:solidFill>
+        <a:effectLst/>
+      </p:bgPr>
+    </p:bg>
     <p:spTree>
       <p:nvGrpSpPr>
         <p:cNvPr id="1" name=""/>
@@ -3102,6 +3298,123 @@
           <a:chExt cx="0" cy="0"/>
         </a:xfrm>
       </p:grpSpPr>
+      <p:cxnSp>
+        <p:nvCxnSpPr>
+          <p:cNvPr id="11" name="Straight Connector 10">
+            <a:extLst>
+              <a:ext uri="{FF2B5EF4-FFF2-40B4-BE49-F238E27FC236}">
+                <a16:creationId xmlns:a16="http://schemas.microsoft.com/office/drawing/2014/main" id="{99AE2756-0FC4-4155-83E7-58AAAB63E757}"/>
+              </a:ext>
+              <a:ext uri="{C183D7F6-B498-43B3-948B-1728B52AA6E4}">
+                <adec:decorative xmlns:adec="http://schemas.microsoft.com/office/drawing/2017/decorative" val="1"/>
+              </a:ext>
+            </a:extLst>
+          </p:cNvPr>
+          <p:cNvCxnSpPr>
+            <a:cxnSpLocks noGrp="1" noRot="1" noChangeAspect="1" noMove="1" noResize="1" noEditPoints="1" noAdjustHandles="1" noChangeArrowheads="1" noChangeShapeType="1"/>
+          </p:cNvCxnSpPr>
+          <p:nvPr>
+            <p:extLst>
+              <p:ext uri="{386F3935-93C4-4BCD-93E2-E3B085C9AB24}">
+                <p16:designElem xmlns:p16="http://schemas.microsoft.com/office/powerpoint/2015/main" val="1"/>
+              </p:ext>
+            </p:extLst>
+          </p:nvPr>
+        </p:nvCxnSpPr>
+        <p:spPr>
+          <a:xfrm>
+            <a:off x="4065689" y="477749"/>
+            <a:ext cx="0" cy="3657600"/>
+          </a:xfrm>
+          <a:prstGeom prst="line">
+            <a:avLst/>
+          </a:prstGeom>
+          <a:ln w="101600" cmpd="dbl">
+            <a:solidFill>
+              <a:srgbClr val="595959"/>
+            </a:solidFill>
+          </a:ln>
+        </p:spPr>
+        <p:style>
+          <a:lnRef idx="1">
+            <a:schemeClr val="accent1"/>
+          </a:lnRef>
+          <a:fillRef idx="0">
+            <a:schemeClr val="accent1"/>
+          </a:fillRef>
+          <a:effectRef idx="0">
+            <a:schemeClr val="accent1"/>
+          </a:effectRef>
+          <a:fontRef idx="minor">
+            <a:schemeClr val="tx1"/>
+          </a:fontRef>
+        </p:style>
+      </p:cxnSp>
+      <p:sp>
+        <p:nvSpPr>
+          <p:cNvPr id="13" name="Rectangle 12">
+            <a:extLst>
+              <a:ext uri="{FF2B5EF4-FFF2-40B4-BE49-F238E27FC236}">
+                <a16:creationId xmlns:a16="http://schemas.microsoft.com/office/drawing/2014/main" id="{247AB924-1B87-43FC-B7C7-B112D5C51A0E}"/>
+              </a:ext>
+              <a:ext uri="{C183D7F6-B498-43B3-948B-1728B52AA6E4}">
+                <adec:decorative xmlns:adec="http://schemas.microsoft.com/office/drawing/2017/decorative" val="1"/>
+              </a:ext>
+            </a:extLst>
+          </p:cNvPr>
+          <p:cNvSpPr>
+            <a:spLocks noGrp="1" noRot="1" noChangeAspect="1" noMove="1" noResize="1" noEditPoints="1" noAdjustHandles="1" noChangeArrowheads="1" noChangeShapeType="1" noTextEdit="1"/>
+          </p:cNvSpPr>
+          <p:nvPr>
+            <p:extLst>
+              <p:ext uri="{386F3935-93C4-4BCD-93E2-E3B085C9AB24}">
+                <p16:designElem xmlns:p16="http://schemas.microsoft.com/office/powerpoint/2015/main" val="1"/>
+              </p:ext>
+            </p:extLst>
+          </p:nvPr>
+        </p:nvSpPr>
+        <p:spPr bwMode="ltGray">
+          <a:xfrm>
+            <a:off x="378068" y="4633546"/>
+            <a:ext cx="11438793" cy="1844256"/>
+          </a:xfrm>
+          <a:prstGeom prst="rect">
+            <a:avLst/>
+          </a:prstGeom>
+          <a:solidFill>
+            <a:srgbClr val="404040"/>
+          </a:solidFill>
+          <a:ln w="127000" cap="sq" cmpd="thinThick">
+            <a:solidFill>
+              <a:srgbClr val="404040"/>
+            </a:solidFill>
+          </a:ln>
+        </p:spPr>
+        <p:style>
+          <a:lnRef idx="2">
+            <a:schemeClr val="accent1">
+              <a:shade val="50000"/>
+            </a:schemeClr>
+          </a:lnRef>
+          <a:fillRef idx="1">
+            <a:schemeClr val="accent1"/>
+          </a:fillRef>
+          <a:effectRef idx="0">
+            <a:schemeClr val="accent1"/>
+          </a:effectRef>
+          <a:fontRef idx="minor">
+            <a:schemeClr val="lt1"/>
+          </a:fontRef>
+        </p:style>
+        <p:txBody>
+          <a:bodyPr rtlCol="0" anchor="ctr"/>
+          <a:lstStyle/>
+          <a:p>
+            <a:pPr algn="ctr"/>
+            <a:endParaRPr lang="en-US"/>
+          </a:p>
+        </p:txBody>
+      </p:sp>
       <p:sp>
         <p:nvSpPr>
           <p:cNvPr id="2" name="Title 1"/>
@@ -3112,16 +3425,27 @@
             <p:ph type="title"/>
           </p:nvPr>
         </p:nvSpPr>
-        <p:spPr/>
-        <p:txBody>
-          <a:bodyPr/>
+        <p:spPr>
+          <a:xfrm>
+            <a:off x="527538" y="4756638"/>
+            <a:ext cx="11139854" cy="930447"/>
+          </a:xfrm>
+        </p:spPr>
+        <p:txBody>
+          <a:bodyPr vert="horz" lIns="91440" tIns="45720" rIns="91440" bIns="45720" rtlCol="0" anchor="b">
+            <a:normAutofit/>
+          </a:bodyPr>
           <a:lstStyle/>
           <a:p>
-            <a:r>
-              <a:rPr lang="en-US" dirty="0"/>
+            <a:pPr algn="ctr"/>
+            <a:r>
+              <a:rPr lang="en-US" sz="5400">
+                <a:solidFill>
+                  <a:srgbClr val="FFFFFF"/>
+                </a:solidFill>
+              </a:rPr>
               <a:t>Why to use deployment</a:t>
             </a:r>
-            <a:endParaRPr lang="en-SG" dirty="0"/>
           </a:p>
         </p:txBody>
       </p:sp>
@@ -3141,8 +3465,8 @@
         </p:blipFill>
         <p:spPr>
           <a:xfrm>
-            <a:off x="931984" y="1998592"/>
-            <a:ext cx="4466493" cy="3279507"/>
+            <a:off x="320040" y="1047638"/>
+            <a:ext cx="3425609" cy="2517822"/>
           </a:xfrm>
           <a:prstGeom prst="rect">
             <a:avLst/>
@@ -3165,14 +3489,66 @@
         </p:blipFill>
         <p:spPr>
           <a:xfrm>
-            <a:off x="5983898" y="1998591"/>
-            <a:ext cx="5947264" cy="3004231"/>
+            <a:off x="4385729" y="1701426"/>
+            <a:ext cx="3433324" cy="1210246"/>
           </a:xfrm>
           <a:prstGeom prst="rect">
             <a:avLst/>
           </a:prstGeom>
         </p:spPr>
       </p:pic>
+      <p:cxnSp>
+        <p:nvCxnSpPr>
+          <p:cNvPr id="15" name="Straight Connector 14">
+            <a:extLst>
+              <a:ext uri="{FF2B5EF4-FFF2-40B4-BE49-F238E27FC236}">
+                <a16:creationId xmlns:a16="http://schemas.microsoft.com/office/drawing/2014/main" id="{818DC98F-4057-4645-B948-F604F39A9CFE}"/>
+              </a:ext>
+              <a:ext uri="{C183D7F6-B498-43B3-948B-1728B52AA6E4}">
+                <adec:decorative xmlns:adec="http://schemas.microsoft.com/office/drawing/2017/decorative" val="1"/>
+              </a:ext>
+            </a:extLst>
+          </p:cNvPr>
+          <p:cNvCxnSpPr>
+            <a:cxnSpLocks noGrp="1" noRot="1" noChangeAspect="1" noMove="1" noResize="1" noEditPoints="1" noAdjustHandles="1" noChangeArrowheads="1" noChangeShapeType="1"/>
+          </p:cNvCxnSpPr>
+          <p:nvPr>
+            <p:extLst>
+              <p:ext uri="{386F3935-93C4-4BCD-93E2-E3B085C9AB24}">
+                <p16:designElem xmlns:p16="http://schemas.microsoft.com/office/powerpoint/2015/main" val="1"/>
+              </p:ext>
+            </p:extLst>
+          </p:nvPr>
+        </p:nvCxnSpPr>
+        <p:spPr>
+          <a:xfrm>
+            <a:off x="8153400" y="477749"/>
+            <a:ext cx="0" cy="3657600"/>
+          </a:xfrm>
+          <a:prstGeom prst="line">
+            <a:avLst/>
+          </a:prstGeom>
+          <a:ln w="101600" cmpd="dbl">
+            <a:solidFill>
+              <a:srgbClr val="595959"/>
+            </a:solidFill>
+          </a:ln>
+        </p:spPr>
+        <p:style>
+          <a:lnRef idx="1">
+            <a:schemeClr val="accent1"/>
+          </a:lnRef>
+          <a:fillRef idx="0">
+            <a:schemeClr val="accent1"/>
+          </a:fillRef>
+          <a:effectRef idx="0">
+            <a:schemeClr val="accent1"/>
+          </a:effectRef>
+          <a:fontRef idx="minor">
+            <a:schemeClr val="tx1"/>
+          </a:fontRef>
+        </p:style>
+      </p:cxnSp>
       <p:pic>
         <p:nvPicPr>
           <p:cNvPr id="6" name="Picture 3" descr="Image result for kubernetes">
@@ -3203,8 +3579,8 @@
         </p:blipFill>
         <p:spPr bwMode="auto">
           <a:xfrm>
-            <a:off x="9759384" y="56356"/>
-            <a:ext cx="1990725" cy="1943100"/>
+            <a:off x="8449725" y="657861"/>
+            <a:ext cx="3423916" cy="3342004"/>
           </a:xfrm>
           <a:prstGeom prst="rect">
             <a:avLst/>
@@ -3221,6 +3597,58 @@
           </a:extLst>
         </p:spPr>
       </p:pic>
+      <p:cxnSp>
+        <p:nvCxnSpPr>
+          <p:cNvPr id="17" name="Straight Connector 16">
+            <a:extLst>
+              <a:ext uri="{FF2B5EF4-FFF2-40B4-BE49-F238E27FC236}">
+                <a16:creationId xmlns:a16="http://schemas.microsoft.com/office/drawing/2014/main" id="{DAD2B705-4A9B-408D-AA80-4F41045E09DE}"/>
+              </a:ext>
+              <a:ext uri="{C183D7F6-B498-43B3-948B-1728B52AA6E4}">
+                <adec:decorative xmlns:adec="http://schemas.microsoft.com/office/drawing/2017/decorative" val="1"/>
+              </a:ext>
+            </a:extLst>
+          </p:cNvPr>
+          <p:cNvCxnSpPr>
+            <a:cxnSpLocks noGrp="1" noRot="1" noChangeAspect="1" noMove="1" noResize="1" noEditPoints="1" noAdjustHandles="1" noChangeArrowheads="1" noChangeShapeType="1"/>
+          </p:cNvCxnSpPr>
+          <p:nvPr>
+            <p:extLst>
+              <p:ext uri="{386F3935-93C4-4BCD-93E2-E3B085C9AB24}">
+                <p16:designElem xmlns:p16="http://schemas.microsoft.com/office/powerpoint/2015/main" val="1"/>
+              </p:ext>
+            </p:extLst>
+          </p:nvPr>
+        </p:nvCxnSpPr>
+        <p:spPr>
+          <a:xfrm>
+            <a:off x="2209800" y="5738691"/>
+            <a:ext cx="7772400" cy="0"/>
+          </a:xfrm>
+          <a:prstGeom prst="line">
+            <a:avLst/>
+          </a:prstGeom>
+          <a:ln w="22225">
+            <a:solidFill>
+              <a:srgbClr val="D9D9D9"/>
+            </a:solidFill>
+          </a:ln>
+        </p:spPr>
+        <p:style>
+          <a:lnRef idx="1">
+            <a:schemeClr val="accent1"/>
+          </a:lnRef>
+          <a:fillRef idx="0">
+            <a:schemeClr val="accent1"/>
+          </a:fillRef>
+          <a:effectRef idx="0">
+            <a:schemeClr val="accent1"/>
+          </a:effectRef>
+          <a:fontRef idx="minor">
+            <a:schemeClr val="tx1"/>
+          </a:fontRef>
+        </p:style>
+      </p:cxnSp>
     </p:spTree>
     <p:extLst>
       <p:ext uri="{BB962C8B-B14F-4D97-AF65-F5344CB8AC3E}">
@@ -3237,6 +3665,14 @@
 <file path=ppt/slides/slide3.xml><?xml version="1.0" encoding="utf-8"?>
 <p:sld xmlns:a="http://schemas.openxmlformats.org/drawingml/2006/main" xmlns:r="http://schemas.openxmlformats.org/officeDocument/2006/relationships" xmlns:p="http://schemas.openxmlformats.org/presentationml/2006/main">
   <p:cSld>
+    <p:bg>
+      <p:bgPr>
+        <a:solidFill>
+          <a:schemeClr val="bg1"/>
+        </a:solidFill>
+        <a:effectLst/>
+      </p:bgPr>
+    </p:bg>
     <p:spTree>
       <p:nvGrpSpPr>
         <p:cNvPr id="1" name=""/>
@@ -3253,175 +3689,315 @@
       </p:grpSpPr>
       <p:sp>
         <p:nvSpPr>
-          <p:cNvPr id="3" name="Title 2"/>
-          <p:cNvSpPr>
-            <a:spLocks noGrp="1"/>
-          </p:cNvSpPr>
-          <p:nvPr>
-            <p:ph type="title"/>
+          <p:cNvPr id="10" name="Rectangle 9">
+            <a:extLst>
+              <a:ext uri="{FF2B5EF4-FFF2-40B4-BE49-F238E27FC236}">
+                <a16:creationId xmlns:a16="http://schemas.microsoft.com/office/drawing/2014/main" id="{56C20283-73E0-40EC-8AD8-057F581F64C2}"/>
+              </a:ext>
+              <a:ext uri="{C183D7F6-B498-43B3-948B-1728B52AA6E4}">
+                <adec:decorative xmlns:adec="http://schemas.microsoft.com/office/drawing/2017/decorative" val="1"/>
+              </a:ext>
+            </a:extLst>
+          </p:cNvPr>
+          <p:cNvSpPr>
+            <a:spLocks noGrp="1" noRot="1" noChangeAspect="1" noMove="1" noResize="1" noEditPoints="1" noAdjustHandles="1" noChangeArrowheads="1" noChangeShapeType="1" noTextEdit="1"/>
+          </p:cNvSpPr>
+          <p:nvPr>
+            <p:extLst>
+              <p:ext uri="{386F3935-93C4-4BCD-93E2-E3B085C9AB24}">
+                <p16:designElem xmlns:p16="http://schemas.microsoft.com/office/powerpoint/2015/main" val="1"/>
+              </p:ext>
+            </p:extLst>
           </p:nvPr>
         </p:nvSpPr>
         <p:spPr>
           <a:xfrm>
-            <a:off x="656281" y="265362"/>
-            <a:ext cx="10879439" cy="574516"/>
+            <a:off x="1524" y="0"/>
+            <a:ext cx="12188952" cy="6858000"/>
+          </a:xfrm>
+          <a:prstGeom prst="rect">
+            <a:avLst/>
+          </a:prstGeom>
+          <a:solidFill>
+            <a:schemeClr val="tx1"/>
+          </a:solidFill>
+          <a:ln>
+            <a:noFill/>
+          </a:ln>
+        </p:spPr>
+        <p:style>
+          <a:lnRef idx="2">
+            <a:schemeClr val="accent1">
+              <a:shade val="50000"/>
+            </a:schemeClr>
+          </a:lnRef>
+          <a:fillRef idx="1">
+            <a:schemeClr val="accent1"/>
+          </a:fillRef>
+          <a:effectRef idx="0">
+            <a:schemeClr val="accent1"/>
+          </a:effectRef>
+          <a:fontRef idx="minor">
+            <a:schemeClr val="lt1"/>
+          </a:fontRef>
+        </p:style>
+        <p:txBody>
+          <a:bodyPr rtlCol="0" anchor="ctr"/>
+          <a:lstStyle/>
+          <a:p>
+            <a:pPr algn="ctr"/>
+            <a:endParaRPr lang="en-US"/>
+          </a:p>
+        </p:txBody>
+      </p:sp>
+      <p:sp>
+        <p:nvSpPr>
+          <p:cNvPr id="12" name="Freeform 28">
+            <a:extLst>
+              <a:ext uri="{FF2B5EF4-FFF2-40B4-BE49-F238E27FC236}">
+                <a16:creationId xmlns:a16="http://schemas.microsoft.com/office/drawing/2014/main" id="{3FCC729B-E528-40C3-82D3-BA4375575E87}"/>
+              </a:ext>
+              <a:ext uri="{C183D7F6-B498-43B3-948B-1728B52AA6E4}">
+                <adec:decorative xmlns:adec="http://schemas.microsoft.com/office/drawing/2017/decorative" val="1"/>
+              </a:ext>
+            </a:extLst>
+          </p:cNvPr>
+          <p:cNvSpPr>
+            <a:spLocks noGrp="1" noRot="1" noChangeAspect="1" noMove="1" noResize="1" noEditPoints="1" noAdjustHandles="1" noChangeArrowheads="1" noChangeShapeType="1" noTextEdit="1"/>
+          </p:cNvSpPr>
+          <p:nvPr>
+            <p:extLst>
+              <p:ext uri="{386F3935-93C4-4BCD-93E2-E3B085C9AB24}">
+                <p16:designElem xmlns:p16="http://schemas.microsoft.com/office/powerpoint/2015/main" val="1"/>
+              </p:ext>
+            </p:extLst>
+          </p:nvPr>
+        </p:nvSpPr>
+        <p:spPr>
+          <a:xfrm flipH="1" flipV="1">
+            <a:off x="960120" y="0"/>
+            <a:ext cx="11218661" cy="6858000"/>
+          </a:xfrm>
+          <a:custGeom>
+            <a:avLst/>
+            <a:gdLst>
+              <a:gd name="connsiteX0" fmla="*/ 0 w 11218661"/>
+              <a:gd name="connsiteY0" fmla="*/ 0 h 6858000"/>
+              <a:gd name="connsiteX1" fmla="*/ 8042507 w 11218661"/>
+              <a:gd name="connsiteY1" fmla="*/ 0 h 6858000"/>
+              <a:gd name="connsiteX2" fmla="*/ 11218661 w 11218661"/>
+              <a:gd name="connsiteY2" fmla="*/ 6858000 h 6858000"/>
+              <a:gd name="connsiteX3" fmla="*/ 0 w 11218661"/>
+              <a:gd name="connsiteY3" fmla="*/ 6858000 h 6858000"/>
+            </a:gdLst>
+            <a:ahLst/>
+            <a:cxnLst>
+              <a:cxn ang="0">
+                <a:pos x="connsiteX0" y="connsiteY0"/>
+              </a:cxn>
+              <a:cxn ang="0">
+                <a:pos x="connsiteX1" y="connsiteY1"/>
+              </a:cxn>
+              <a:cxn ang="0">
+                <a:pos x="connsiteX2" y="connsiteY2"/>
+              </a:cxn>
+              <a:cxn ang="0">
+                <a:pos x="connsiteX3" y="connsiteY3"/>
+              </a:cxn>
+            </a:cxnLst>
+            <a:rect l="l" t="t" r="r" b="b"/>
+            <a:pathLst>
+              <a:path w="11218661" h="6858000">
+                <a:moveTo>
+                  <a:pt x="0" y="0"/>
+                </a:moveTo>
+                <a:lnTo>
+                  <a:pt x="8042507" y="0"/>
+                </a:lnTo>
+                <a:lnTo>
+                  <a:pt x="11218661" y="6858000"/>
+                </a:lnTo>
+                <a:lnTo>
+                  <a:pt x="0" y="6858000"/>
+                </a:lnTo>
+                <a:close/>
+              </a:path>
+            </a:pathLst>
+          </a:custGeom>
+          <a:solidFill>
+            <a:schemeClr val="bg1">
+              <a:lumMod val="85000"/>
+              <a:lumOff val="15000"/>
+              <a:alpha val="70000"/>
+            </a:schemeClr>
+          </a:solidFill>
+          <a:ln>
+            <a:noFill/>
+          </a:ln>
+        </p:spPr>
+        <p:style>
+          <a:lnRef idx="2">
+            <a:schemeClr val="accent1">
+              <a:shade val="50000"/>
+            </a:schemeClr>
+          </a:lnRef>
+          <a:fillRef idx="1">
+            <a:schemeClr val="accent1"/>
+          </a:fillRef>
+          <a:effectRef idx="0">
+            <a:schemeClr val="accent1"/>
+          </a:effectRef>
+          <a:fontRef idx="minor">
+            <a:schemeClr val="lt1"/>
+          </a:fontRef>
+        </p:style>
+        <p:txBody>
+          <a:bodyPr wrap="square" rtlCol="0" anchor="ctr">
+            <a:noAutofit/>
+          </a:bodyPr>
+          <a:lstStyle/>
+          <a:p>
+            <a:pPr algn="ctr"/>
+            <a:endParaRPr lang="en-US"/>
+          </a:p>
+        </p:txBody>
+      </p:sp>
+      <p:sp>
+        <p:nvSpPr>
+          <p:cNvPr id="14" name="Freeform 26">
+            <a:extLst>
+              <a:ext uri="{FF2B5EF4-FFF2-40B4-BE49-F238E27FC236}">
+                <a16:creationId xmlns:a16="http://schemas.microsoft.com/office/drawing/2014/main" id="{58F1FB8D-1842-4A04-998D-6CF047AB2790}"/>
+              </a:ext>
+              <a:ext uri="{C183D7F6-B498-43B3-948B-1728B52AA6E4}">
+                <adec:decorative xmlns:adec="http://schemas.microsoft.com/office/drawing/2017/decorative" val="1"/>
+              </a:ext>
+            </a:extLst>
+          </p:cNvPr>
+          <p:cNvSpPr>
+            <a:spLocks noGrp="1" noRot="1" noChangeAspect="1" noMove="1" noResize="1" noEditPoints="1" noAdjustHandles="1" noChangeArrowheads="1" noChangeShapeType="1" noTextEdit="1"/>
+          </p:cNvSpPr>
+          <p:nvPr>
+            <p:extLst>
+              <p:ext uri="{386F3935-93C4-4BCD-93E2-E3B085C9AB24}">
+                <p16:designElem xmlns:p16="http://schemas.microsoft.com/office/powerpoint/2015/main" val="1"/>
+              </p:ext>
+            </p:extLst>
+          </p:nvPr>
+        </p:nvSpPr>
+        <p:spPr>
+          <a:xfrm flipH="1" flipV="1">
+            <a:off x="1420248" y="0"/>
+            <a:ext cx="10771752" cy="6858000"/>
+          </a:xfrm>
+          <a:custGeom>
+            <a:avLst/>
+            <a:gdLst>
+              <a:gd name="connsiteX0" fmla="*/ 0 w 10771752"/>
+              <a:gd name="connsiteY0" fmla="*/ 0 h 6858000"/>
+              <a:gd name="connsiteX1" fmla="*/ 7595598 w 10771752"/>
+              <a:gd name="connsiteY1" fmla="*/ 0 h 6858000"/>
+              <a:gd name="connsiteX2" fmla="*/ 10771752 w 10771752"/>
+              <a:gd name="connsiteY2" fmla="*/ 6858000 h 6858000"/>
+              <a:gd name="connsiteX3" fmla="*/ 0 w 10771752"/>
+              <a:gd name="connsiteY3" fmla="*/ 6858000 h 6858000"/>
+            </a:gdLst>
+            <a:ahLst/>
+            <a:cxnLst>
+              <a:cxn ang="0">
+                <a:pos x="connsiteX0" y="connsiteY0"/>
+              </a:cxn>
+              <a:cxn ang="0">
+                <a:pos x="connsiteX1" y="connsiteY1"/>
+              </a:cxn>
+              <a:cxn ang="0">
+                <a:pos x="connsiteX2" y="connsiteY2"/>
+              </a:cxn>
+              <a:cxn ang="0">
+                <a:pos x="connsiteX3" y="connsiteY3"/>
+              </a:cxn>
+            </a:cxnLst>
+            <a:rect l="l" t="t" r="r" b="b"/>
+            <a:pathLst>
+              <a:path w="10771752" h="6858000">
+                <a:moveTo>
+                  <a:pt x="0" y="0"/>
+                </a:moveTo>
+                <a:lnTo>
+                  <a:pt x="7595598" y="0"/>
+                </a:lnTo>
+                <a:lnTo>
+                  <a:pt x="10771752" y="6858000"/>
+                </a:lnTo>
+                <a:lnTo>
+                  <a:pt x="0" y="6858000"/>
+                </a:lnTo>
+                <a:close/>
+              </a:path>
+            </a:pathLst>
+          </a:custGeom>
+          <a:solidFill>
+            <a:schemeClr val="bg1">
+              <a:lumMod val="85000"/>
+              <a:lumOff val="15000"/>
+            </a:schemeClr>
+          </a:solidFill>
+          <a:ln>
+            <a:noFill/>
+          </a:ln>
+        </p:spPr>
+        <p:style>
+          <a:lnRef idx="2">
+            <a:schemeClr val="accent1">
+              <a:shade val="50000"/>
+            </a:schemeClr>
+          </a:lnRef>
+          <a:fillRef idx="1">
+            <a:schemeClr val="accent1"/>
+          </a:fillRef>
+          <a:effectRef idx="0">
+            <a:schemeClr val="accent1"/>
+          </a:effectRef>
+          <a:fontRef idx="minor">
+            <a:schemeClr val="lt1"/>
+          </a:fontRef>
+        </p:style>
+        <p:txBody>
+          <a:bodyPr wrap="square" rtlCol="0" anchor="ctr">
+            <a:noAutofit/>
+          </a:bodyPr>
+          <a:lstStyle/>
+          <a:p>
+            <a:pPr algn="ctr"/>
+            <a:endParaRPr lang="en-US"/>
+          </a:p>
+        </p:txBody>
+      </p:sp>
+      <p:sp>
+        <p:nvSpPr>
+          <p:cNvPr id="3" name="Title 2"/>
+          <p:cNvSpPr>
+            <a:spLocks noGrp="1"/>
+          </p:cNvSpPr>
+          <p:nvPr>
+            <p:ph type="title"/>
+          </p:nvPr>
+        </p:nvSpPr>
+        <p:spPr>
+          <a:xfrm>
+            <a:off x="4384039" y="365125"/>
+            <a:ext cx="7164493" cy="1325563"/>
           </a:xfrm>
         </p:spPr>
         <p:txBody>
           <a:bodyPr>
-            <a:normAutofit fontScale="90000"/>
+            <a:normAutofit/>
           </a:bodyPr>
           <a:lstStyle/>
           <a:p>
             <a:r>
               <a:rPr lang="en-US" dirty="0"/>
               <a:t>Deployment</a:t>
-            </a:r>
-          </a:p>
-        </p:txBody>
-      </p:sp>
-      <p:sp>
-        <p:nvSpPr>
-          <p:cNvPr id="4" name="Text Placeholder 3"/>
-          <p:cNvSpPr>
-            <a:spLocks noGrp="1"/>
-          </p:cNvSpPr>
-          <p:nvPr>
-            <p:ph type="body" idx="1"/>
-          </p:nvPr>
-        </p:nvSpPr>
-        <p:spPr>
-          <a:xfrm>
-            <a:off x="767475" y="1193801"/>
-            <a:ext cx="10657048" cy="4001095"/>
-          </a:xfrm>
-        </p:spPr>
-        <p:txBody>
-          <a:bodyPr>
-            <a:normAutofit fontScale="92500"/>
-          </a:bodyPr>
-          <a:lstStyle/>
-          <a:p>
-            <a:pPr marL="457189" indent="-457189">
-              <a:lnSpc>
-                <a:spcPct val="150000"/>
-              </a:lnSpc>
-            </a:pPr>
-            <a:r>
-              <a:rPr lang="en-US" sz="2400" dirty="0"/>
-              <a:t>A Deployment  declaration  in Kubernetes allows you to do app </a:t>
-            </a:r>
-            <a:r>
-              <a:rPr lang="en-US" sz="2400" b="1" dirty="0"/>
-              <a:t>deployments </a:t>
-            </a:r>
-            <a:r>
-              <a:rPr lang="en-US" sz="2400" dirty="0"/>
-              <a:t>and</a:t>
-            </a:r>
-            <a:r>
-              <a:rPr lang="en-US" sz="2400" b="1" dirty="0"/>
-              <a:t> updates</a:t>
-            </a:r>
-          </a:p>
-          <a:p>
-            <a:pPr marL="457189" indent="-457189">
-              <a:lnSpc>
-                <a:spcPct val="150000"/>
-              </a:lnSpc>
-            </a:pPr>
-            <a:r>
-              <a:rPr lang="en-US" sz="2133" dirty="0"/>
-              <a:t>When using the deployment object, you define the </a:t>
-            </a:r>
-            <a:r>
-              <a:rPr lang="en-US" sz="2133" b="1" dirty="0"/>
-              <a:t>state</a:t>
-            </a:r>
-            <a:r>
-              <a:rPr lang="en-US" sz="2133" dirty="0"/>
-              <a:t> of your application</a:t>
-            </a:r>
-          </a:p>
-          <a:p>
-            <a:pPr marL="1066773" lvl="1" indent="-457189">
-              <a:lnSpc>
-                <a:spcPct val="150000"/>
-              </a:lnSpc>
-            </a:pPr>
-            <a:r>
-              <a:rPr lang="en-US" sz="1867" dirty="0"/>
-              <a:t>Kubernetes will then make sure the cluster matches your </a:t>
-            </a:r>
-            <a:r>
-              <a:rPr lang="en-US" sz="1867" b="1" dirty="0"/>
-              <a:t>desired</a:t>
-            </a:r>
-            <a:r>
-              <a:rPr lang="en-US" sz="1867" dirty="0"/>
-              <a:t> state</a:t>
-            </a:r>
-          </a:p>
-          <a:p>
-            <a:pPr marL="457189" indent="-457189">
-              <a:lnSpc>
-                <a:spcPct val="150000"/>
-              </a:lnSpc>
-            </a:pPr>
-            <a:endParaRPr lang="en-US" sz="2133" dirty="0"/>
-          </a:p>
-          <a:p>
-            <a:pPr marL="457189" indent="-457189">
-              <a:lnSpc>
-                <a:spcPct val="150000"/>
-              </a:lnSpc>
-            </a:pPr>
-            <a:r>
-              <a:rPr lang="en-US" sz="2133" dirty="0"/>
-              <a:t>Just using the </a:t>
-            </a:r>
-            <a:r>
-              <a:rPr lang="en-US" sz="2133" b="1" dirty="0"/>
-              <a:t>replication-controller</a:t>
-            </a:r>
-            <a:r>
-              <a:rPr lang="en-US" sz="2133" dirty="0"/>
-              <a:t> or </a:t>
-            </a:r>
-            <a:r>
-              <a:rPr lang="en-US" sz="2133" b="1" dirty="0"/>
-              <a:t>replication set </a:t>
-            </a:r>
-            <a:r>
-              <a:rPr lang="en-US" sz="2133" dirty="0"/>
-              <a:t>might be </a:t>
-            </a:r>
-            <a:r>
-              <a:rPr lang="en-US" sz="2133" b="1" dirty="0"/>
-              <a:t>cumbersome</a:t>
-            </a:r>
-            <a:r>
-              <a:rPr lang="en-US" sz="2133" dirty="0"/>
-              <a:t> to deploy apps</a:t>
-            </a:r>
-          </a:p>
-          <a:p>
-            <a:pPr marL="1066773" lvl="1" indent="-457189">
-              <a:lnSpc>
-                <a:spcPct val="150000"/>
-              </a:lnSpc>
-            </a:pPr>
-            <a:r>
-              <a:rPr lang="en-US" sz="1867" dirty="0"/>
-              <a:t>The </a:t>
-            </a:r>
-            <a:r>
-              <a:rPr lang="en-US" sz="1867" b="1" dirty="0"/>
-              <a:t>Deployment Object </a:t>
-            </a:r>
-            <a:r>
-              <a:rPr lang="en-US" sz="1867" dirty="0"/>
-              <a:t>is easier to use and gives you more possibilities </a:t>
             </a:r>
           </a:p>
         </p:txBody>
@@ -3456,8 +4032,8 @@
         </p:blipFill>
         <p:spPr bwMode="auto">
           <a:xfrm>
-            <a:off x="10002576" y="4823578"/>
-            <a:ext cx="1990725" cy="1943100"/>
+            <a:off x="480060" y="1756761"/>
+            <a:ext cx="3425957" cy="3343996"/>
           </a:xfrm>
           <a:prstGeom prst="rect">
             <a:avLst/>
@@ -3474,6 +4050,128 @@
           </a:extLst>
         </p:spPr>
       </p:pic>
+      <p:sp>
+        <p:nvSpPr>
+          <p:cNvPr id="4" name="Text Placeholder 3"/>
+          <p:cNvSpPr>
+            <a:spLocks noGrp="1"/>
+          </p:cNvSpPr>
+          <p:nvPr>
+            <p:ph type="body" idx="1"/>
+          </p:nvPr>
+        </p:nvSpPr>
+        <p:spPr>
+          <a:xfrm>
+            <a:off x="4387515" y="2022601"/>
+            <a:ext cx="7161017" cy="4154361"/>
+          </a:xfrm>
+        </p:spPr>
+        <p:txBody>
+          <a:bodyPr>
+            <a:normAutofit/>
+          </a:bodyPr>
+          <a:lstStyle/>
+          <a:p>
+            <a:pPr marL="457189" indent="-457189"/>
+            <a:r>
+              <a:rPr lang="en-US" sz="2000"/>
+              <a:t>A Deployment  declaration  in Kubernetes allows you to do app </a:t>
+            </a:r>
+            <a:r>
+              <a:rPr lang="en-US" sz="2000" b="1"/>
+              <a:t>deployments </a:t>
+            </a:r>
+            <a:r>
+              <a:rPr lang="en-US" sz="2000"/>
+              <a:t>and</a:t>
+            </a:r>
+            <a:r>
+              <a:rPr lang="en-US" sz="2000" b="1"/>
+              <a:t> updates</a:t>
+            </a:r>
+          </a:p>
+          <a:p>
+            <a:pPr marL="457189" indent="-457189"/>
+            <a:r>
+              <a:rPr lang="en-US" sz="2000"/>
+              <a:t>When using the deployment object, you define the </a:t>
+            </a:r>
+            <a:r>
+              <a:rPr lang="en-US" sz="2000" b="1"/>
+              <a:t>state</a:t>
+            </a:r>
+            <a:r>
+              <a:rPr lang="en-US" sz="2000"/>
+              <a:t> of your application</a:t>
+            </a:r>
+          </a:p>
+          <a:p>
+            <a:pPr marL="1066773" lvl="1" indent="-457189"/>
+            <a:r>
+              <a:rPr lang="en-US" sz="2000"/>
+              <a:t>Kubernetes will then make sure the cluster matches your </a:t>
+            </a:r>
+            <a:r>
+              <a:rPr lang="en-US" sz="2000" b="1"/>
+              <a:t>desired</a:t>
+            </a:r>
+            <a:r>
+              <a:rPr lang="en-US" sz="2000"/>
+              <a:t> state</a:t>
+            </a:r>
+          </a:p>
+          <a:p>
+            <a:pPr marL="457189" indent="-457189"/>
+            <a:endParaRPr lang="en-US" sz="2000"/>
+          </a:p>
+          <a:p>
+            <a:pPr marL="457189" indent="-457189"/>
+            <a:r>
+              <a:rPr lang="en-US" sz="2000"/>
+              <a:t>Just using the </a:t>
+            </a:r>
+            <a:r>
+              <a:rPr lang="en-US" sz="2000" b="1"/>
+              <a:t>replication-controller</a:t>
+            </a:r>
+            <a:r>
+              <a:rPr lang="en-US" sz="2000"/>
+              <a:t> or </a:t>
+            </a:r>
+            <a:r>
+              <a:rPr lang="en-US" sz="2000" b="1"/>
+              <a:t>replication set </a:t>
+            </a:r>
+            <a:r>
+              <a:rPr lang="en-US" sz="2000"/>
+              <a:t>might be </a:t>
+            </a:r>
+            <a:r>
+              <a:rPr lang="en-US" sz="2000" b="1"/>
+              <a:t>cumbersome</a:t>
+            </a:r>
+            <a:r>
+              <a:rPr lang="en-US" sz="2000"/>
+              <a:t> to deploy apps</a:t>
+            </a:r>
+          </a:p>
+          <a:p>
+            <a:pPr marL="1066773" lvl="1" indent="-457189"/>
+            <a:r>
+              <a:rPr lang="en-US" sz="2000"/>
+              <a:t>The </a:t>
+            </a:r>
+            <a:r>
+              <a:rPr lang="en-US" sz="2000" b="1"/>
+              <a:t>Deployment Object </a:t>
+            </a:r>
+            <a:r>
+              <a:rPr lang="en-US" sz="2000"/>
+              <a:t>is easier to use and gives you more possibilities </a:t>
+            </a:r>
+          </a:p>
+        </p:txBody>
+      </p:sp>
     </p:spTree>
     <p:extLst>
       <p:ext uri="{BB962C8B-B14F-4D97-AF65-F5344CB8AC3E}">
@@ -3482,7 +4180,7 @@
     </p:extLst>
   </p:cSld>
   <p:clrMapOvr>
-    <a:masterClrMapping/>
+    <a:overrideClrMapping bg1="dk1" tx1="lt1" bg2="dk2" tx2="lt2" accent1="accent1" accent2="accent2" accent3="accent3" accent4="accent4" accent5="accent5" accent6="accent6" hlink="hlink" folHlink="folHlink"/>
   </p:clrMapOvr>
 </p:sld>
 </file>
@@ -3490,6 +4188,14 @@
 <file path=ppt/slides/slide4.xml><?xml version="1.0" encoding="utf-8"?>
 <p:sld xmlns:a="http://schemas.openxmlformats.org/drawingml/2006/main" xmlns:r="http://schemas.openxmlformats.org/officeDocument/2006/relationships" xmlns:p="http://schemas.openxmlformats.org/presentationml/2006/main">
   <p:cSld>
+    <p:bg>
+      <p:bgPr>
+        <a:solidFill>
+          <a:schemeClr val="bg1"/>
+        </a:solidFill>
+        <a:effectLst/>
+      </p:bgPr>
+    </p:bg>
     <p:spTree>
       <p:nvGrpSpPr>
         <p:cNvPr id="1" name=""/>
@@ -3516,13 +4222,13 @@
         </p:nvSpPr>
         <p:spPr>
           <a:xfrm>
-            <a:off x="656281" y="265362"/>
-            <a:ext cx="10879439" cy="574516"/>
+            <a:off x="1136428" y="627564"/>
+            <a:ext cx="7474172" cy="1325563"/>
           </a:xfrm>
         </p:spPr>
         <p:txBody>
           <a:bodyPr>
-            <a:normAutofit fontScale="90000"/>
+            <a:normAutofit/>
           </a:bodyPr>
           <a:lstStyle/>
           <a:p>
@@ -3545,116 +4251,220 @@
         </p:nvSpPr>
         <p:spPr>
           <a:xfrm>
-            <a:off x="767475" y="1193800"/>
-            <a:ext cx="10657048" cy="3016211"/>
+            <a:off x="1136429" y="2278173"/>
+            <a:ext cx="6467867" cy="3450613"/>
           </a:xfrm>
         </p:spPr>
         <p:txBody>
-          <a:bodyPr>
-            <a:normAutofit fontScale="92500" lnSpcReduction="10000"/>
+          <a:bodyPr anchor="ctr">
+            <a:normAutofit/>
           </a:bodyPr>
           <a:lstStyle/>
           <a:p>
-            <a:pPr marL="457189" indent="-457189">
-              <a:lnSpc>
-                <a:spcPct val="150000"/>
-              </a:lnSpc>
-            </a:pPr>
-            <a:r>
-              <a:rPr lang="en-US" sz="2400" dirty="0"/>
+            <a:pPr marL="457189" indent="-457189"/>
+            <a:r>
+              <a:rPr lang="en-US" sz="2200"/>
               <a:t>With a deployment object you can: </a:t>
             </a:r>
           </a:p>
           <a:p>
-            <a:pPr marL="1066773" lvl="1" indent="-457189">
-              <a:lnSpc>
-                <a:spcPct val="150000"/>
-              </a:lnSpc>
-            </a:pPr>
-            <a:r>
-              <a:rPr lang="en-US" sz="2133" dirty="0"/>
+            <a:pPr marL="1066773" lvl="1" indent="-457189"/>
+            <a:r>
+              <a:rPr lang="en-US" sz="2200"/>
               <a:t> </a:t>
             </a:r>
             <a:r>
-              <a:rPr lang="en-US" sz="2133" b="1" dirty="0"/>
+              <a:rPr lang="en-US" sz="2200" b="1"/>
               <a:t>Create</a:t>
             </a:r>
             <a:r>
-              <a:rPr lang="en-US" sz="2133" dirty="0"/>
+              <a:rPr lang="en-US" sz="2200"/>
               <a:t> a deployment ( e.g. deploying an app )</a:t>
             </a:r>
           </a:p>
           <a:p>
-            <a:pPr marL="1066773" lvl="1" indent="-457189">
-              <a:lnSpc>
-                <a:spcPct val="150000"/>
-              </a:lnSpc>
-            </a:pPr>
-            <a:r>
-              <a:rPr lang="en-US" sz="2133" dirty="0"/>
+            <a:pPr marL="1066773" lvl="1" indent="-457189"/>
+            <a:r>
+              <a:rPr lang="en-US" sz="2200"/>
               <a:t> </a:t>
             </a:r>
             <a:r>
-              <a:rPr lang="en-US" sz="2133" b="1" dirty="0"/>
+              <a:rPr lang="en-US" sz="2200" b="1"/>
               <a:t>Update</a:t>
             </a:r>
             <a:r>
-              <a:rPr lang="en-US" sz="2133" dirty="0"/>
+              <a:rPr lang="en-US" sz="2200"/>
               <a:t> a deployment ( e.g. deploying an new version )</a:t>
             </a:r>
           </a:p>
           <a:p>
-            <a:pPr marL="1066773" lvl="1" indent="-457189">
-              <a:lnSpc>
-                <a:spcPct val="150000"/>
-              </a:lnSpc>
-            </a:pPr>
-            <a:r>
-              <a:rPr lang="en-US" sz="2133" dirty="0"/>
+            <a:pPr marL="1066773" lvl="1" indent="-457189"/>
+            <a:r>
+              <a:rPr lang="en-US" sz="2200"/>
               <a:t> Do </a:t>
             </a:r>
             <a:r>
-              <a:rPr lang="en-US" sz="2133" b="1" dirty="0"/>
+              <a:rPr lang="en-US" sz="2200" b="1"/>
               <a:t>rolling updates</a:t>
             </a:r>
             <a:r>
-              <a:rPr lang="en-US" sz="2133" dirty="0"/>
+              <a:rPr lang="en-US" sz="2200"/>
               <a:t>  ( Zero downtime deployment)</a:t>
             </a:r>
           </a:p>
           <a:p>
-            <a:pPr marL="1066773" lvl="1" indent="-457189">
-              <a:lnSpc>
-                <a:spcPct val="150000"/>
-              </a:lnSpc>
-            </a:pPr>
-            <a:r>
-              <a:rPr lang="en-US" sz="2133" dirty="0"/>
+            <a:pPr marL="1066773" lvl="1" indent="-457189"/>
+            <a:r>
+              <a:rPr lang="en-US" sz="2200"/>
               <a:t> </a:t>
             </a:r>
             <a:r>
-              <a:rPr lang="en-US" sz="2133" b="1" dirty="0"/>
+              <a:rPr lang="en-US" sz="2200" b="1"/>
               <a:t>Roll Back </a:t>
             </a:r>
             <a:r>
-              <a:rPr lang="en-US" sz="2133" dirty="0"/>
+              <a:rPr lang="en-US" sz="2200"/>
               <a:t>to previous version </a:t>
             </a:r>
           </a:p>
           <a:p>
-            <a:pPr marL="1066773" lvl="1" indent="-457189">
-              <a:lnSpc>
-                <a:spcPct val="150000"/>
-              </a:lnSpc>
-            </a:pPr>
-            <a:r>
-              <a:rPr lang="en-US" sz="2133" b="1" dirty="0"/>
+            <a:pPr marL="1066773" lvl="1" indent="-457189"/>
+            <a:r>
+              <a:rPr lang="en-US" sz="2200" b="1"/>
               <a:t> Pause/Resume </a:t>
             </a:r>
             <a:r>
-              <a:rPr lang="en-US" sz="2133" dirty="0"/>
+              <a:rPr lang="en-US" sz="2200"/>
               <a:t>a deployment ( e.g. to roll-out to only certain percentage )</a:t>
             </a:r>
+          </a:p>
+        </p:txBody>
+      </p:sp>
+      <p:sp>
+        <p:nvSpPr>
+          <p:cNvPr id="10" name="Rectangle 9">
+            <a:extLst>
+              <a:ext uri="{FF2B5EF4-FFF2-40B4-BE49-F238E27FC236}">
+                <a16:creationId xmlns:a16="http://schemas.microsoft.com/office/drawing/2014/main" id="{59A309A7-1751-4ABE-A3C1-EEC40366AD89}"/>
+              </a:ext>
+              <a:ext uri="{C183D7F6-B498-43B3-948B-1728B52AA6E4}">
+                <adec:decorative xmlns:adec="http://schemas.microsoft.com/office/drawing/2017/decorative" val="1"/>
+              </a:ext>
+            </a:extLst>
+          </p:cNvPr>
+          <p:cNvSpPr>
+            <a:spLocks noGrp="1" noRot="1" noChangeAspect="1" noMove="1" noResize="1" noEditPoints="1" noAdjustHandles="1" noChangeArrowheads="1" noChangeShapeType="1" noTextEdit="1"/>
+          </p:cNvSpPr>
+          <p:nvPr>
+            <p:extLst>
+              <p:ext uri="{386F3935-93C4-4BCD-93E2-E3B085C9AB24}">
+                <p16:designElem xmlns:p16="http://schemas.microsoft.com/office/powerpoint/2015/main" val="1"/>
+              </p:ext>
+            </p:extLst>
+          </p:nvPr>
+        </p:nvSpPr>
+        <p:spPr>
+          <a:xfrm>
+            <a:off x="10088880" y="0"/>
+            <a:ext cx="2103120" cy="6858000"/>
+          </a:xfrm>
+          <a:prstGeom prst="rect">
+            <a:avLst/>
+          </a:prstGeom>
+          <a:solidFill>
+            <a:schemeClr val="accent1"/>
+          </a:solidFill>
+          <a:ln>
+            <a:noFill/>
+          </a:ln>
+        </p:spPr>
+        <p:style>
+          <a:lnRef idx="2">
+            <a:schemeClr val="accent1">
+              <a:shade val="50000"/>
+            </a:schemeClr>
+          </a:lnRef>
+          <a:fillRef idx="1">
+            <a:schemeClr val="accent1"/>
+          </a:fillRef>
+          <a:effectRef idx="0">
+            <a:schemeClr val="accent1"/>
+          </a:effectRef>
+          <a:fontRef idx="minor">
+            <a:schemeClr val="lt1"/>
+          </a:fontRef>
+        </p:style>
+        <p:txBody>
+          <a:bodyPr rtlCol="0" anchor="ctr"/>
+          <a:lstStyle/>
+          <a:p>
+            <a:pPr algn="ctr"/>
+            <a:endParaRPr lang="en-US"/>
+          </a:p>
+        </p:txBody>
+      </p:sp>
+      <p:sp>
+        <p:nvSpPr>
+          <p:cNvPr id="12" name="Oval 11">
+            <a:extLst>
+              <a:ext uri="{FF2B5EF4-FFF2-40B4-BE49-F238E27FC236}">
+                <a16:creationId xmlns:a16="http://schemas.microsoft.com/office/drawing/2014/main" id="{967D8EB6-EAE1-4F9C-B398-83321E287204}"/>
+              </a:ext>
+              <a:ext uri="{C183D7F6-B498-43B3-948B-1728B52AA6E4}">
+                <adec:decorative xmlns:adec="http://schemas.microsoft.com/office/drawing/2017/decorative" val="1"/>
+              </a:ext>
+            </a:extLst>
+          </p:cNvPr>
+          <p:cNvSpPr>
+            <a:spLocks noGrp="1" noRot="1" noChangeAspect="1" noMove="1" noResize="1" noEditPoints="1" noAdjustHandles="1" noChangeArrowheads="1" noChangeShapeType="1" noTextEdit="1"/>
+          </p:cNvSpPr>
+          <p:nvPr>
+            <p:extLst>
+              <p:ext uri="{386F3935-93C4-4BCD-93E2-E3B085C9AB24}">
+                <p16:designElem xmlns:p16="http://schemas.microsoft.com/office/powerpoint/2015/main" val="1"/>
+              </p:ext>
+            </p:extLst>
+          </p:nvPr>
+        </p:nvSpPr>
+        <p:spPr>
+          <a:xfrm>
+            <a:off x="8915400" y="2358913"/>
+            <a:ext cx="2140172" cy="2140172"/>
+          </a:xfrm>
+          <a:prstGeom prst="ellipse">
+            <a:avLst/>
+          </a:prstGeom>
+          <a:solidFill>
+            <a:srgbClr val="FFFFFF"/>
+          </a:solidFill>
+          <a:ln w="22225">
+            <a:solidFill>
+              <a:srgbClr val="3470E6"/>
+            </a:solidFill>
+          </a:ln>
+        </p:spPr>
+        <p:style>
+          <a:lnRef idx="2">
+            <a:schemeClr val="accent1">
+              <a:shade val="50000"/>
+            </a:schemeClr>
+          </a:lnRef>
+          <a:fillRef idx="1">
+            <a:schemeClr val="accent1"/>
+          </a:fillRef>
+          <a:effectRef idx="0">
+            <a:schemeClr val="accent1"/>
+          </a:effectRef>
+          <a:fontRef idx="minor">
+            <a:schemeClr val="lt1"/>
+          </a:fontRef>
+        </p:style>
+        <p:txBody>
+          <a:bodyPr rtlCol="0" anchor="ctr"/>
+          <a:lstStyle/>
+          <a:p>
+            <a:pPr algn="ctr"/>
+            <a:endParaRPr lang="en-US"/>
           </a:p>
         </p:txBody>
       </p:sp>
@@ -3688,8 +4498,8 @@
         </p:blipFill>
         <p:spPr bwMode="auto">
           <a:xfrm>
-            <a:off x="10002576" y="4823578"/>
-            <a:ext cx="1990725" cy="1943100"/>
+            <a:off x="9399980" y="2857501"/>
+            <a:ext cx="1171012" cy="1142998"/>
           </a:xfrm>
           <a:prstGeom prst="rect">
             <a:avLst/>
@@ -3722,6 +4532,14 @@
 <file path=ppt/slides/slide5.xml><?xml version="1.0" encoding="utf-8"?>
 <p:sld xmlns:a="http://schemas.openxmlformats.org/drawingml/2006/main" xmlns:r="http://schemas.openxmlformats.org/officeDocument/2006/relationships" xmlns:p="http://schemas.openxmlformats.org/presentationml/2006/main">
   <p:cSld>
+    <p:bg>
+      <p:bgPr>
+        <a:solidFill>
+          <a:schemeClr val="bg1"/>
+        </a:solidFill>
+        <a:effectLst/>
+      </p:bgPr>
+    </p:bg>
     <p:spTree>
       <p:nvGrpSpPr>
         <p:cNvPr id="1" name=""/>
@@ -3738,28 +4556,99 @@
       </p:grpSpPr>
       <p:sp>
         <p:nvSpPr>
-          <p:cNvPr id="3" name="Title 2"/>
-          <p:cNvSpPr>
-            <a:spLocks noGrp="1"/>
-          </p:cNvSpPr>
-          <p:nvPr>
-            <p:ph type="title"/>
+          <p:cNvPr id="10" name="Rectangle 9">
+            <a:extLst>
+              <a:ext uri="{FF2B5EF4-FFF2-40B4-BE49-F238E27FC236}">
+                <a16:creationId xmlns:a16="http://schemas.microsoft.com/office/drawing/2014/main" id="{A4AC5506-6312-4701-8D3C-40187889A947}"/>
+              </a:ext>
+              <a:ext uri="{C183D7F6-B498-43B3-948B-1728B52AA6E4}">
+                <adec:decorative xmlns:adec="http://schemas.microsoft.com/office/drawing/2017/decorative" val="1"/>
+              </a:ext>
+            </a:extLst>
+          </p:cNvPr>
+          <p:cNvSpPr>
+            <a:spLocks noGrp="1" noRot="1" noChangeAspect="1" noMove="1" noResize="1" noEditPoints="1" noAdjustHandles="1" noChangeArrowheads="1" noChangeShapeType="1" noTextEdit="1"/>
+          </p:cNvSpPr>
+          <p:nvPr>
+            <p:extLst>
+              <p:ext uri="{386F3935-93C4-4BCD-93E2-E3B085C9AB24}">
+                <p16:designElem xmlns:p16="http://schemas.microsoft.com/office/powerpoint/2015/main" val="1"/>
+              </p:ext>
+            </p:extLst>
           </p:nvPr>
         </p:nvSpPr>
         <p:spPr>
           <a:xfrm>
-            <a:off x="656281" y="265362"/>
-            <a:ext cx="10879439" cy="574516"/>
+            <a:off x="0" y="651752"/>
+            <a:ext cx="12192000" cy="736551"/>
+          </a:xfrm>
+          <a:prstGeom prst="rect">
+            <a:avLst/>
+          </a:prstGeom>
+          <a:solidFill>
+            <a:schemeClr val="tx1"/>
+          </a:solidFill>
+          <a:ln>
+            <a:noFill/>
+          </a:ln>
+        </p:spPr>
+        <p:style>
+          <a:lnRef idx="2">
+            <a:schemeClr val="accent1">
+              <a:shade val="50000"/>
+            </a:schemeClr>
+          </a:lnRef>
+          <a:fillRef idx="1">
+            <a:schemeClr val="accent1"/>
+          </a:fillRef>
+          <a:effectRef idx="0">
+            <a:schemeClr val="accent1"/>
+          </a:effectRef>
+          <a:fontRef idx="minor">
+            <a:schemeClr val="lt1"/>
+          </a:fontRef>
+        </p:style>
+        <p:txBody>
+          <a:bodyPr rtlCol="0" anchor="ctr"/>
+          <a:lstStyle/>
+          <a:p>
+            <a:pPr algn="ctr"/>
+            <a:endParaRPr lang="en-US"/>
+          </a:p>
+        </p:txBody>
+      </p:sp>
+      <p:sp>
+        <p:nvSpPr>
+          <p:cNvPr id="3" name="Title 2"/>
+          <p:cNvSpPr>
+            <a:spLocks noGrp="1"/>
+          </p:cNvSpPr>
+          <p:nvPr>
+            <p:ph type="title"/>
+          </p:nvPr>
+        </p:nvSpPr>
+        <p:spPr>
+          <a:xfrm>
+            <a:off x="556532" y="643467"/>
+            <a:ext cx="11210925" cy="744836"/>
           </a:xfrm>
         </p:spPr>
         <p:txBody>
-          <a:bodyPr>
-            <a:normAutofit fontScale="90000"/>
+          <a:bodyPr vert="horz" lIns="91440" tIns="45720" rIns="91440" bIns="45720" rtlCol="0" anchor="ctr">
+            <a:normAutofit/>
           </a:bodyPr>
           <a:lstStyle/>
           <a:p>
-            <a:r>
-              <a:rPr lang="en-US" dirty="0"/>
+            <a:pPr algn="ctr"/>
+            <a:r>
+              <a:rPr lang="en-US" sz="3200" kern="1200">
+                <a:solidFill>
+                  <a:schemeClr val="bg1"/>
+                </a:solidFill>
+                <a:latin typeface="+mj-lt"/>
+                <a:ea typeface="+mj-ea"/>
+                <a:cs typeface="+mj-cs"/>
+              </a:rPr>
               <a:t>Useful Commands</a:t>
             </a:r>
           </a:p>
@@ -3772,26 +4661,30 @@
             <a:graphicFrameLocks noGrp="1"/>
           </p:cNvGraphicFramePr>
           <p:nvPr>
-            <p:extLst/>
+            <p:extLst>
+              <p:ext uri="{D42A27DB-BD31-4B8C-83A1-F6EECF244321}">
+                <p14:modId xmlns:p14="http://schemas.microsoft.com/office/powerpoint/2010/main" val="4108277610"/>
+              </p:ext>
+            </p:extLst>
           </p:nvPr>
         </p:nvGraphicFramePr>
         <p:xfrm>
-          <a:off x="656280" y="1295400"/>
-          <a:ext cx="11738920" cy="5089840"/>
+          <a:off x="686613" y="1675227"/>
+          <a:ext cx="10818775" cy="4394207"/>
         </p:xfrm>
         <a:graphic>
           <a:graphicData uri="http://schemas.openxmlformats.org/drawingml/2006/table">
             <a:tbl>
-              <a:tblPr/>
+              <a:tblPr firstRow="1" bandRow="1"/>
               <a:tblGrid>
-                <a:gridCol w="7190560">
+                <a:gridCol w="6600370">
                   <a:extLst>
                     <a:ext uri="{9D8B030D-6E8A-4147-A177-3AD203B41FA5}">
                       <a16:colId xmlns:a16="http://schemas.microsoft.com/office/drawing/2014/main" val="20000"/>
                     </a:ext>
                   </a:extLst>
                 </a:gridCol>
-                <a:gridCol w="4548360">
+                <a:gridCol w="4218405">
                   <a:extLst>
                     <a:ext uri="{9D8B030D-6E8A-4147-A177-3AD203B41FA5}">
                       <a16:colId xmlns:a16="http://schemas.microsoft.com/office/drawing/2014/main" val="20001"/>
@@ -3799,7 +4692,7 @@
                   </a:extLst>
                 </a:gridCol>
               </a:tblGrid>
-              <a:tr h="451708">
+              <a:tr h="349754">
                 <a:tc>
                   <a:txBody>
                     <a:bodyPr/>
@@ -3807,7 +4700,7 @@
                     <a:p>
                       <a:pPr algn="l" fontAlgn="b"/>
                       <a:r>
-                        <a:rPr lang="en-US" sz="1900" b="1" i="0" u="none" strike="noStrike" dirty="0">
+                        <a:rPr lang="en-US" sz="2000" b="1" i="0" u="none" strike="noStrike">
                           <a:solidFill>
                             <a:srgbClr val="FFFFFF"/>
                           </a:solidFill>
@@ -3818,7 +4711,7 @@
                       </a:r>
                     </a:p>
                   </a:txBody>
-                  <a:tcPr marL="12700" marR="12700" marT="12700" marB="0" anchor="b">
+                  <a:tcPr marL="13109" marR="13109" marT="13109" marB="0" anchor="b">
                     <a:lnL w="6350" cap="flat" cmpd="sng" algn="ctr">
                       <a:solidFill>
                         <a:srgbClr val="F4B084"/>
@@ -3861,7 +4754,7 @@
                     <a:p>
                       <a:pPr algn="l" fontAlgn="b"/>
                       <a:r>
-                        <a:rPr lang="en-US" sz="1900" b="1" i="0" u="none" strike="noStrike">
+                        <a:rPr lang="en-US" sz="2000" b="1" i="0" u="none" strike="noStrike">
                           <a:solidFill>
                             <a:srgbClr val="FFFFFF"/>
                           </a:solidFill>
@@ -3872,7 +4765,7 @@
                       </a:r>
                     </a:p>
                   </a:txBody>
-                  <a:tcPr marL="12700" marR="12700" marT="12700" marB="0" anchor="b">
+                  <a:tcPr marL="13109" marR="13109" marT="13109" marB="0" anchor="b">
                     <a:lnL>
                       <a:noFill/>
                     </a:lnL>
@@ -3914,7 +4807,7 @@
                   </a:ext>
                 </a:extLst>
               </a:tr>
-              <a:tr h="434500">
+              <a:tr h="349754">
                 <a:tc>
                   <a:txBody>
                     <a:bodyPr/>
@@ -3922,7 +4815,7 @@
                     <a:p>
                       <a:pPr algn="l" fontAlgn="b"/>
                       <a:r>
-                        <a:rPr lang="en-US" sz="1900" b="1" i="0" u="none" strike="noStrike" dirty="0">
+                        <a:rPr lang="en-US" sz="2000" b="1" i="0" u="none" strike="noStrike">
                           <a:solidFill>
                             <a:srgbClr val="000000"/>
                           </a:solidFill>
@@ -3933,7 +4826,7 @@
                       </a:r>
                     </a:p>
                   </a:txBody>
-                  <a:tcPr marL="12700" marR="12700" marT="12700" marB="0" anchor="b">
+                  <a:tcPr marL="13109" marR="13109" marT="13109" marB="0" anchor="b">
                     <a:lnL w="6350" cap="flat" cmpd="sng" algn="ctr">
                       <a:solidFill>
                         <a:srgbClr val="F4B084"/>
@@ -3976,7 +4869,7 @@
                     <a:p>
                       <a:pPr algn="l" fontAlgn="b"/>
                       <a:r>
-                        <a:rPr lang="en-US" sz="1900" b="1" i="0" u="none" strike="noStrike">
+                        <a:rPr lang="en-US" sz="2000" b="1" i="0" u="none" strike="noStrike">
                           <a:solidFill>
                             <a:srgbClr val="000000"/>
                           </a:solidFill>
@@ -3987,7 +4880,7 @@
                       </a:r>
                     </a:p>
                   </a:txBody>
-                  <a:tcPr marL="12700" marR="12700" marT="12700" marB="0" anchor="b">
+                  <a:tcPr marL="13109" marR="13109" marT="13109" marB="0" anchor="b">
                     <a:lnL>
                       <a:noFill/>
                     </a:lnL>
@@ -4029,7 +4922,7 @@
                   </a:ext>
                 </a:extLst>
               </a:tr>
-              <a:tr h="434500">
+              <a:tr h="349754">
                 <a:tc>
                   <a:txBody>
                     <a:bodyPr/>
@@ -4037,7 +4930,7 @@
                     <a:p>
                       <a:pPr algn="l" fontAlgn="b"/>
                       <a:r>
-                        <a:rPr lang="en-US" sz="1900" b="1" i="0" u="none" strike="noStrike" dirty="0">
+                        <a:rPr lang="en-US" sz="2000" b="1" i="0" u="none" strike="noStrike">
                           <a:solidFill>
                             <a:srgbClr val="000000"/>
                           </a:solidFill>
@@ -4047,7 +4940,7 @@
                         <a:t>kubectl get </a:t>
                       </a:r>
                       <a:r>
-                        <a:rPr lang="en-US" sz="1900" b="1" i="0" u="none" strike="noStrike" dirty="0" err="1">
+                        <a:rPr lang="en-US" sz="2000" b="1" i="0" u="none" strike="noStrike" err="1">
                           <a:solidFill>
                             <a:srgbClr val="000000"/>
                           </a:solidFill>
@@ -4057,7 +4950,7 @@
                         <a:t>rs</a:t>
                       </a:r>
                       <a:r>
-                        <a:rPr lang="en-US" sz="1900" b="1" i="0" u="none" strike="noStrike" dirty="0">
+                        <a:rPr lang="en-US" sz="2000" b="1" i="0" u="none" strike="noStrike">
                           <a:solidFill>
                             <a:srgbClr val="000000"/>
                           </a:solidFill>
@@ -4068,7 +4961,7 @@
                       </a:r>
                     </a:p>
                   </a:txBody>
-                  <a:tcPr marL="12700" marR="12700" marT="12700" marB="0" anchor="b">
+                  <a:tcPr marL="13109" marR="13109" marT="13109" marB="0" anchor="b">
                     <a:lnL w="6350" cap="flat" cmpd="sng" algn="ctr">
                       <a:solidFill>
                         <a:srgbClr val="F4B084"/>
@@ -4108,7 +5001,7 @@
                     <a:p>
                       <a:pPr algn="l" fontAlgn="b"/>
                       <a:r>
-                        <a:rPr lang="en-US" sz="1900" b="1" i="0" u="none" strike="noStrike">
+                        <a:rPr lang="en-US" sz="2000" b="1" i="0" u="none" strike="noStrike">
                           <a:solidFill>
                             <a:srgbClr val="000000"/>
                           </a:solidFill>
@@ -4119,7 +5012,7 @@
                       </a:r>
                     </a:p>
                   </a:txBody>
-                  <a:tcPr marL="12700" marR="12700" marT="12700" marB="0" anchor="b">
+                  <a:tcPr marL="13109" marR="13109" marT="13109" marB="0" anchor="b">
                     <a:lnL>
                       <a:noFill/>
                     </a:lnL>
@@ -4158,7 +5051,7 @@
                   </a:ext>
                 </a:extLst>
               </a:tr>
-              <a:tr h="581660">
+              <a:tr h="648643">
                 <a:tc>
                   <a:txBody>
                     <a:bodyPr/>
@@ -4166,7 +5059,7 @@
                     <a:p>
                       <a:pPr algn="l" fontAlgn="b"/>
                       <a:r>
-                        <a:rPr lang="en-US" sz="1900" b="1" i="0" u="none" strike="noStrike" dirty="0">
+                        <a:rPr lang="en-US" sz="2000" b="1" i="0" u="none" strike="noStrike">
                           <a:solidFill>
                             <a:srgbClr val="000000"/>
                           </a:solidFill>
@@ -4177,7 +5070,7 @@
                       </a:r>
                     </a:p>
                   </a:txBody>
-                  <a:tcPr marL="12700" marR="12700" marT="12700" marB="0" anchor="b">
+                  <a:tcPr marL="13109" marR="13109" marT="13109" marB="0" anchor="b">
                     <a:lnL w="6350" cap="flat" cmpd="sng" algn="ctr">
                       <a:solidFill>
                         <a:srgbClr val="F4B084"/>
@@ -4220,7 +5113,7 @@
                     <a:p>
                       <a:pPr algn="l" fontAlgn="b"/>
                       <a:r>
-                        <a:rPr lang="en-US" sz="1900" b="1" i="0" u="none" strike="noStrike">
+                        <a:rPr lang="en-US" sz="2000" b="1" i="0" u="none" strike="noStrike">
                           <a:solidFill>
                             <a:srgbClr val="000000"/>
                           </a:solidFill>
@@ -4231,7 +5124,7 @@
                       </a:r>
                     </a:p>
                   </a:txBody>
-                  <a:tcPr marL="12700" marR="12700" marT="12700" marB="0" anchor="b">
+                  <a:tcPr marL="13109" marR="13109" marT="13109" marB="0" anchor="b">
                     <a:lnL>
                       <a:noFill/>
                     </a:lnL>
@@ -4273,7 +5166,7 @@
                   </a:ext>
                 </a:extLst>
               </a:tr>
-              <a:tr h="434500">
+              <a:tr h="349754">
                 <a:tc>
                   <a:txBody>
                     <a:bodyPr/>
@@ -4281,7 +5174,7 @@
                     <a:p>
                       <a:pPr algn="l" fontAlgn="b"/>
                       <a:r>
-                        <a:rPr lang="en-US" sz="1900" b="1" i="0" u="none" strike="noStrike" dirty="0">
+                        <a:rPr lang="en-US" sz="2000" b="1" i="0" u="none" strike="noStrike">
                           <a:solidFill>
                             <a:srgbClr val="000000"/>
                           </a:solidFill>
@@ -4291,7 +5184,7 @@
                         <a:t>kubectl rollout status deployment/</a:t>
                       </a:r>
                       <a:r>
-                        <a:rPr lang="en-US" sz="1900" b="1" i="0" u="none" strike="noStrike" dirty="0" err="1">
+                        <a:rPr lang="en-US" sz="2000" b="1" i="0" u="none" strike="noStrike" err="1">
                           <a:solidFill>
                             <a:srgbClr val="000000"/>
                           </a:solidFill>
@@ -4301,7 +5194,7 @@
                         <a:t>helloworld</a:t>
                       </a:r>
                       <a:r>
-                        <a:rPr lang="en-US" sz="1900" b="1" i="0" u="none" strike="noStrike" dirty="0">
+                        <a:rPr lang="en-US" sz="2000" b="1" i="0" u="none" strike="noStrike">
                           <a:solidFill>
                             <a:srgbClr val="000000"/>
                           </a:solidFill>
@@ -4312,7 +5205,7 @@
                       </a:r>
                     </a:p>
                   </a:txBody>
-                  <a:tcPr marL="12700" marR="12700" marT="12700" marB="0" anchor="b">
+                  <a:tcPr marL="13109" marR="13109" marT="13109" marB="0" anchor="b">
                     <a:lnL w="6350" cap="flat" cmpd="sng" algn="ctr">
                       <a:solidFill>
                         <a:srgbClr val="F4B084"/>
@@ -4352,7 +5245,7 @@
                     <a:p>
                       <a:pPr algn="l" fontAlgn="b"/>
                       <a:r>
-                        <a:rPr lang="en-US" sz="1900" b="1" i="0" u="none" strike="noStrike">
+                        <a:rPr lang="en-US" sz="2000" b="1" i="0" u="none" strike="noStrike">
                           <a:solidFill>
                             <a:srgbClr val="000000"/>
                           </a:solidFill>
@@ -4363,7 +5256,7 @@
                       </a:r>
                     </a:p>
                   </a:txBody>
-                  <a:tcPr marL="12700" marR="12700" marT="12700" marB="0" anchor="b">
+                  <a:tcPr marL="13109" marR="13109" marT="13109" marB="0" anchor="b">
                     <a:lnL>
                       <a:noFill/>
                     </a:lnL>
@@ -4402,7 +5295,7 @@
                   </a:ext>
                 </a:extLst>
               </a:tr>
-              <a:tr h="847492">
+              <a:tr h="648643">
                 <a:tc>
                   <a:txBody>
                     <a:bodyPr/>
@@ -4410,7 +5303,7 @@
                     <a:p>
                       <a:pPr algn="l" fontAlgn="b"/>
                       <a:r>
-                        <a:rPr lang="en-US" sz="1900" b="1" i="0" u="none" strike="noStrike" dirty="0">
+                        <a:rPr lang="en-US" sz="2000" b="1" i="0" u="none" strike="noStrike">
                           <a:solidFill>
                             <a:srgbClr val="000000"/>
                           </a:solidFill>
@@ -4420,7 +5313,7 @@
                         <a:t>kubectl set image deployment/</a:t>
                       </a:r>
                       <a:r>
-                        <a:rPr lang="en-US" sz="1900" b="1" i="0" u="none" strike="noStrike" dirty="0" err="1">
+                        <a:rPr lang="en-US" sz="2000" b="1" i="0" u="none" strike="noStrike" err="1">
                           <a:solidFill>
                             <a:srgbClr val="000000"/>
                           </a:solidFill>
@@ -4430,7 +5323,7 @@
                         <a:t>helloworld</a:t>
                       </a:r>
                       <a:r>
-                        <a:rPr lang="en-US" sz="1900" b="1" i="0" u="none" strike="noStrike" dirty="0">
+                        <a:rPr lang="en-US" sz="2000" b="1" i="0" u="none" strike="noStrike">
                           <a:solidFill>
                             <a:srgbClr val="000000"/>
                           </a:solidFill>
@@ -4441,7 +5334,7 @@
                       </a:r>
                     </a:p>
                   </a:txBody>
-                  <a:tcPr marL="12700" marR="12700" marT="12700" marB="0" anchor="b">
+                  <a:tcPr marL="13109" marR="13109" marT="13109" marB="0" anchor="b">
                     <a:lnL w="6350" cap="flat" cmpd="sng" algn="ctr">
                       <a:solidFill>
                         <a:srgbClr val="F4B084"/>
@@ -4484,7 +5377,7 @@
                     <a:p>
                       <a:pPr algn="l" fontAlgn="b"/>
                       <a:r>
-                        <a:rPr lang="en-US" sz="1900" b="1" i="0" u="none" strike="noStrike">
+                        <a:rPr lang="en-US" sz="2000" b="1" i="0" u="none" strike="noStrike">
                           <a:solidFill>
                             <a:srgbClr val="000000"/>
                           </a:solidFill>
@@ -4495,7 +5388,7 @@
                       </a:r>
                     </a:p>
                   </a:txBody>
-                  <a:tcPr marL="12700" marR="12700" marT="12700" marB="0" anchor="b">
+                  <a:tcPr marL="13109" marR="13109" marT="13109" marB="0" anchor="b">
                     <a:lnL>
                       <a:noFill/>
                     </a:lnL>
@@ -4537,7 +5430,7 @@
                   </a:ext>
                 </a:extLst>
               </a:tr>
-              <a:tr h="434500">
+              <a:tr h="349754">
                 <a:tc>
                   <a:txBody>
                     <a:bodyPr/>
@@ -4545,7 +5438,7 @@
                     <a:p>
                       <a:pPr algn="l" fontAlgn="b"/>
                       <a:r>
-                        <a:rPr lang="en-US" sz="1900" b="1" i="0" u="none" strike="noStrike" dirty="0">
+                        <a:rPr lang="en-US" sz="2000" b="1" i="0" u="none" strike="noStrike">
                           <a:solidFill>
                             <a:srgbClr val="000000"/>
                           </a:solidFill>
@@ -4555,7 +5448,7 @@
                         <a:t>kubectl edit deployment/</a:t>
                       </a:r>
                       <a:r>
-                        <a:rPr lang="en-US" sz="1900" b="1" i="0" u="none" strike="noStrike" dirty="0" err="1">
+                        <a:rPr lang="en-US" sz="2000" b="1" i="0" u="none" strike="noStrike" err="1">
                           <a:solidFill>
                             <a:srgbClr val="000000"/>
                           </a:solidFill>
@@ -4565,7 +5458,7 @@
                         <a:t>helloworld</a:t>
                       </a:r>
                       <a:r>
-                        <a:rPr lang="en-US" sz="1900" b="1" i="0" u="none" strike="noStrike" dirty="0">
+                        <a:rPr lang="en-US" sz="2000" b="1" i="0" u="none" strike="noStrike">
                           <a:solidFill>
                             <a:srgbClr val="000000"/>
                           </a:solidFill>
@@ -4576,7 +5469,7 @@
                       </a:r>
                     </a:p>
                   </a:txBody>
-                  <a:tcPr marL="12700" marR="12700" marT="12700" marB="0" anchor="b">
+                  <a:tcPr marL="13109" marR="13109" marT="13109" marB="0" anchor="b">
                     <a:lnL w="6350" cap="flat" cmpd="sng" algn="ctr">
                       <a:solidFill>
                         <a:srgbClr val="F4B084"/>
@@ -4616,7 +5509,7 @@
                     <a:p>
                       <a:pPr algn="l" fontAlgn="b"/>
                       <a:r>
-                        <a:rPr lang="en-US" sz="1900" b="1" i="0" u="none" strike="noStrike">
+                        <a:rPr lang="en-US" sz="2000" b="1" i="0" u="none" strike="noStrike">
                           <a:solidFill>
                             <a:srgbClr val="000000"/>
                           </a:solidFill>
@@ -4627,7 +5520,7 @@
                       </a:r>
                     </a:p>
                   </a:txBody>
-                  <a:tcPr marL="12700" marR="12700" marT="12700" marB="0" anchor="b">
+                  <a:tcPr marL="13109" marR="13109" marT="13109" marB="0" anchor="b">
                     <a:lnL>
                       <a:noFill/>
                     </a:lnL>
@@ -4666,7 +5559,7 @@
                   </a:ext>
                 </a:extLst>
               </a:tr>
-              <a:tr h="434500">
+              <a:tr h="349754">
                 <a:tc>
                   <a:txBody>
                     <a:bodyPr/>
@@ -4674,7 +5567,7 @@
                     <a:p>
                       <a:pPr algn="l" fontAlgn="b"/>
                       <a:r>
-                        <a:rPr lang="en-US" sz="1900" b="1" i="0" u="none" strike="noStrike" dirty="0">
+                        <a:rPr lang="en-US" sz="2000" b="1" i="0" u="none" strike="noStrike">
                           <a:solidFill>
                             <a:srgbClr val="000000"/>
                           </a:solidFill>
@@ -4684,7 +5577,7 @@
                         <a:t>kubectl rollout history deployment/</a:t>
                       </a:r>
                       <a:r>
-                        <a:rPr lang="en-US" sz="1900" b="1" i="0" u="none" strike="noStrike" dirty="0" err="1">
+                        <a:rPr lang="en-US" sz="2000" b="1" i="0" u="none" strike="noStrike" err="1">
                           <a:solidFill>
                             <a:srgbClr val="000000"/>
                           </a:solidFill>
@@ -4694,7 +5587,7 @@
                         <a:t>helloworld</a:t>
                       </a:r>
                       <a:r>
-                        <a:rPr lang="en-US" sz="1900" b="1" i="0" u="none" strike="noStrike" dirty="0">
+                        <a:rPr lang="en-US" sz="2000" b="1" i="0" u="none" strike="noStrike">
                           <a:solidFill>
                             <a:srgbClr val="000000"/>
                           </a:solidFill>
@@ -4705,7 +5598,7 @@
                       </a:r>
                     </a:p>
                   </a:txBody>
-                  <a:tcPr marL="12700" marR="12700" marT="12700" marB="0" anchor="b">
+                  <a:tcPr marL="13109" marR="13109" marT="13109" marB="0" anchor="b">
                     <a:lnL w="6350" cap="flat" cmpd="sng" algn="ctr">
                       <a:solidFill>
                         <a:srgbClr val="F4B084"/>
@@ -4748,7 +5641,7 @@
                     <a:p>
                       <a:pPr algn="l" fontAlgn="b"/>
                       <a:r>
-                        <a:rPr lang="en-US" sz="1900" b="1" i="0" u="none" strike="noStrike">
+                        <a:rPr lang="en-US" sz="2000" b="1" i="0" u="none" strike="noStrike">
                           <a:solidFill>
                             <a:srgbClr val="000000"/>
                           </a:solidFill>
@@ -4759,7 +5652,7 @@
                       </a:r>
                     </a:p>
                   </a:txBody>
-                  <a:tcPr marL="12700" marR="12700" marT="12700" marB="0" anchor="b">
+                  <a:tcPr marL="13109" marR="13109" marT="13109" marB="0" anchor="b">
                     <a:lnL>
                       <a:noFill/>
                     </a:lnL>
@@ -4801,7 +5694,7 @@
                   </a:ext>
                 </a:extLst>
               </a:tr>
-              <a:tr h="434500">
+              <a:tr h="349754">
                 <a:tc>
                   <a:txBody>
                     <a:bodyPr/>
@@ -4809,7 +5702,7 @@
                     <a:p>
                       <a:pPr algn="l" fontAlgn="b"/>
                       <a:r>
-                        <a:rPr lang="en-US" sz="1900" b="1" i="0" u="none" strike="noStrike" dirty="0">
+                        <a:rPr lang="en-US" sz="2000" b="1" i="0" u="none" strike="noStrike">
                           <a:solidFill>
                             <a:srgbClr val="000000"/>
                           </a:solidFill>
@@ -4819,7 +5712,7 @@
                         <a:t>kubectl rollout undo deployment/</a:t>
                       </a:r>
                       <a:r>
-                        <a:rPr lang="en-US" sz="1900" b="1" i="0" u="none" strike="noStrike" dirty="0" err="1">
+                        <a:rPr lang="en-US" sz="2000" b="1" i="0" u="none" strike="noStrike" err="1">
                           <a:solidFill>
                             <a:srgbClr val="000000"/>
                           </a:solidFill>
@@ -4829,7 +5722,7 @@
                         <a:t>helloworld</a:t>
                       </a:r>
                       <a:r>
-                        <a:rPr lang="en-US" sz="1900" b="1" i="0" u="none" strike="noStrike" dirty="0">
+                        <a:rPr lang="en-US" sz="2000" b="1" i="0" u="none" strike="noStrike">
                           <a:solidFill>
                             <a:srgbClr val="000000"/>
                           </a:solidFill>
@@ -4840,7 +5733,7 @@
                       </a:r>
                     </a:p>
                   </a:txBody>
-                  <a:tcPr marL="12700" marR="12700" marT="12700" marB="0" anchor="b">
+                  <a:tcPr marL="13109" marR="13109" marT="13109" marB="0" anchor="b">
                     <a:lnL w="6350" cap="flat" cmpd="sng" algn="ctr">
                       <a:solidFill>
                         <a:srgbClr val="F4B084"/>
@@ -4880,7 +5773,7 @@
                     <a:p>
                       <a:pPr algn="l" fontAlgn="b"/>
                       <a:r>
-                        <a:rPr lang="en-US" sz="1900" b="1" i="0" u="none" strike="noStrike">
+                        <a:rPr lang="en-US" sz="2000" b="1" i="0" u="none" strike="noStrike">
                           <a:solidFill>
                             <a:srgbClr val="000000"/>
                           </a:solidFill>
@@ -4891,7 +5784,7 @@
                       </a:r>
                     </a:p>
                   </a:txBody>
-                  <a:tcPr marL="12700" marR="12700" marT="12700" marB="0" anchor="b">
+                  <a:tcPr marL="13109" marR="13109" marT="13109" marB="0" anchor="b">
                     <a:lnL>
                       <a:noFill/>
                     </a:lnL>
@@ -4930,7 +5823,7 @@
                   </a:ext>
                 </a:extLst>
               </a:tr>
-              <a:tr h="581660">
+              <a:tr h="648643">
                 <a:tc>
                   <a:txBody>
                     <a:bodyPr/>
@@ -4938,7 +5831,7 @@
                     <a:p>
                       <a:pPr algn="l" fontAlgn="b"/>
                       <a:r>
-                        <a:rPr lang="en-US" sz="1900" b="1" i="0" u="none" strike="noStrike" dirty="0">
+                        <a:rPr lang="en-US" sz="2000" b="1" i="0" u="none" strike="noStrike">
                           <a:solidFill>
                             <a:srgbClr val="000000"/>
                           </a:solidFill>
@@ -4948,7 +5841,7 @@
                         <a:t>kubectl rollout undo deployment/</a:t>
                       </a:r>
                       <a:r>
-                        <a:rPr lang="en-US" sz="1900" b="1" i="0" u="none" strike="noStrike" dirty="0" err="1">
+                        <a:rPr lang="en-US" sz="2000" b="1" i="0" u="none" strike="noStrike" err="1">
                           <a:solidFill>
                             <a:srgbClr val="000000"/>
                           </a:solidFill>
@@ -4958,7 +5851,7 @@
                         <a:t>helloworld</a:t>
                       </a:r>
                       <a:r>
-                        <a:rPr lang="en-US" sz="1900" b="1" i="0" u="none" strike="noStrike" dirty="0">
+                        <a:rPr lang="en-US" sz="2000" b="1" i="0" u="none" strike="noStrike">
                           <a:solidFill>
                             <a:srgbClr val="000000"/>
                           </a:solidFill>
@@ -4969,7 +5862,7 @@
                       </a:r>
                     </a:p>
                   </a:txBody>
-                  <a:tcPr marL="12700" marR="12700" marT="12700" marB="0" anchor="b">
+                  <a:tcPr marL="13109" marR="13109" marT="13109" marB="0" anchor="b">
                     <a:lnL w="6350" cap="flat" cmpd="sng" algn="ctr">
                       <a:solidFill>
                         <a:srgbClr val="F4B084"/>
@@ -5012,7 +5905,7 @@
                     <a:p>
                       <a:pPr algn="l" fontAlgn="b"/>
                       <a:r>
-                        <a:rPr lang="en-US" sz="1900" b="1" i="0" u="none" strike="noStrike" dirty="0">
+                        <a:rPr lang="en-US" sz="2000" b="1" i="0" u="none" strike="noStrike">
                           <a:solidFill>
                             <a:srgbClr val="000000"/>
                           </a:solidFill>
@@ -5023,7 +5916,7 @@
                       </a:r>
                     </a:p>
                   </a:txBody>
-                  <a:tcPr marL="12700" marR="12700" marT="12700" marB="0" anchor="b">
+                  <a:tcPr marL="13109" marR="13109" marT="13109" marB="0" anchor="b">
                     <a:lnL>
                       <a:noFill/>
                     </a:lnL>
@@ -5085,6 +5978,14 @@
 <file path=ppt/slides/slide6.xml><?xml version="1.0" encoding="utf-8"?>
 <p:sld xmlns:a="http://schemas.openxmlformats.org/drawingml/2006/main" xmlns:r="http://schemas.openxmlformats.org/officeDocument/2006/relationships" xmlns:p="http://schemas.openxmlformats.org/presentationml/2006/main">
   <p:cSld>
+    <p:bg>
+      <p:bgPr>
+        <a:solidFill>
+          <a:schemeClr val="bg1"/>
+        </a:solidFill>
+        <a:effectLst/>
+      </p:bgPr>
+    </p:bg>
     <p:spTree>
       <p:nvGrpSpPr>
         <p:cNvPr id="1" name=""/>
@@ -5111,68 +6012,79 @@
         </p:nvSpPr>
         <p:spPr>
           <a:xfrm>
-            <a:off x="656281" y="265361"/>
-            <a:ext cx="10879439" cy="970779"/>
+            <a:off x="960100" y="978102"/>
+            <a:ext cx="10588434" cy="1062644"/>
           </a:xfrm>
         </p:spPr>
         <p:txBody>
-          <a:bodyPr>
-            <a:normAutofit fontScale="90000"/>
+          <a:bodyPr anchor="b">
+            <a:normAutofit/>
           </a:bodyPr>
           <a:lstStyle/>
           <a:p>
-            <a:pPr>
-              <a:lnSpc>
-                <a:spcPct val="200000"/>
-              </a:lnSpc>
-            </a:pPr>
             <a:r>
               <a:rPr lang="en-US" dirty="0"/>
               <a:t>Demo Placeholder</a:t>
             </a:r>
-          </a:p>
-        </p:txBody>
-      </p:sp>
-      <p:sp>
-        <p:nvSpPr>
-          <p:cNvPr id="4" name="Text Placeholder 3"/>
-          <p:cNvSpPr>
-            <a:spLocks noGrp="1"/>
-          </p:cNvSpPr>
-          <p:nvPr>
-            <p:ph type="body" idx="1"/>
-          </p:nvPr>
-        </p:nvSpPr>
+            <a:endParaRPr lang="en-US"/>
+          </a:p>
+        </p:txBody>
+      </p:sp>
+      <p:cxnSp>
+        <p:nvCxnSpPr>
+          <p:cNvPr id="10" name="Straight Connector 9">
+            <a:extLst>
+              <a:ext uri="{FF2B5EF4-FFF2-40B4-BE49-F238E27FC236}">
+                <a16:creationId xmlns:a16="http://schemas.microsoft.com/office/drawing/2014/main" id="{39B7FDC9-F0CE-43A7-9F2A-83DD09DC3453}"/>
+              </a:ext>
+              <a:ext uri="{C183D7F6-B498-43B3-948B-1728B52AA6E4}">
+                <adec:decorative xmlns:adec="http://schemas.microsoft.com/office/drawing/2017/decorative" val="1"/>
+              </a:ext>
+            </a:extLst>
+          </p:cNvPr>
+          <p:cNvCxnSpPr>
+            <a:cxnSpLocks noGrp="1" noRot="1" noChangeAspect="1" noMove="1" noResize="1" noEditPoints="1" noAdjustHandles="1" noChangeArrowheads="1" noChangeShapeType="1"/>
+          </p:cNvCxnSpPr>
+          <p:nvPr>
+            <p:extLst>
+              <p:ext uri="{386F3935-93C4-4BCD-93E2-E3B085C9AB24}">
+                <p16:designElem xmlns:p16="http://schemas.microsoft.com/office/powerpoint/2015/main" val="1"/>
+              </p:ext>
+            </p:extLst>
+          </p:nvPr>
+        </p:nvCxnSpPr>
         <p:spPr>
           <a:xfrm>
-            <a:off x="767475" y="1496991"/>
-            <a:ext cx="10657048" cy="1641475"/>
+            <a:off x="1047624" y="2265037"/>
+            <a:ext cx="10125012" cy="0"/>
           </a:xfrm>
+          <a:prstGeom prst="line">
+            <a:avLst/>
+          </a:prstGeom>
+          <a:ln w="15875">
+            <a:solidFill>
+              <a:schemeClr val="tx1">
+                <a:lumMod val="65000"/>
+                <a:lumOff val="35000"/>
+              </a:schemeClr>
+            </a:solidFill>
+          </a:ln>
         </p:spPr>
-        <p:txBody>
-          <a:bodyPr/>
-          <a:lstStyle/>
-          <a:p>
-            <a:pPr>
-              <a:lnSpc>
-                <a:spcPct val="200000"/>
-              </a:lnSpc>
-            </a:pPr>
-            <a:r>
-              <a:rPr lang="en-US" dirty="0"/>
-              <a:t>A deployment</a:t>
-            </a:r>
-          </a:p>
-          <a:p>
-            <a:pPr>
-              <a:lnSpc>
-                <a:spcPct val="200000"/>
-              </a:lnSpc>
-            </a:pPr>
-            <a:endParaRPr lang="en-US" dirty="0"/>
-          </a:p>
-        </p:txBody>
-      </p:sp>
+        <p:style>
+          <a:lnRef idx="1">
+            <a:schemeClr val="accent1"/>
+          </a:lnRef>
+          <a:fillRef idx="0">
+            <a:schemeClr val="accent1"/>
+          </a:fillRef>
+          <a:effectRef idx="0">
+            <a:schemeClr val="accent1"/>
+          </a:effectRef>
+          <a:fontRef idx="minor">
+            <a:schemeClr val="tx1"/>
+          </a:fontRef>
+        </p:style>
+      </p:cxnSp>
       <p:pic>
         <p:nvPicPr>
           <p:cNvPr id="5" name="Picture 3" descr="Image result for kubernetes">
@@ -5203,8 +6115,8 @@
         </p:blipFill>
         <p:spPr bwMode="auto">
           <a:xfrm>
-            <a:off x="10002576" y="4823578"/>
-            <a:ext cx="1990725" cy="1943100"/>
+            <a:off x="1297322" y="2811104"/>
+            <a:ext cx="2999881" cy="2928114"/>
           </a:xfrm>
           <a:prstGeom prst="rect">
             <a:avLst/>
@@ -5221,6 +6133,38 @@
           </a:extLst>
         </p:spPr>
       </p:pic>
+      <p:sp>
+        <p:nvSpPr>
+          <p:cNvPr id="4" name="Text Placeholder 3"/>
+          <p:cNvSpPr>
+            <a:spLocks noGrp="1"/>
+          </p:cNvSpPr>
+          <p:nvPr>
+            <p:ph type="body" idx="1"/>
+          </p:nvPr>
+        </p:nvSpPr>
+        <p:spPr>
+          <a:xfrm>
+            <a:off x="4955354" y="2682433"/>
+            <a:ext cx="6282169" cy="3215749"/>
+          </a:xfrm>
+        </p:spPr>
+        <p:txBody>
+          <a:bodyPr>
+            <a:normAutofit/>
+          </a:bodyPr>
+          <a:lstStyle/>
+          <a:p>
+            <a:r>
+              <a:rPr lang="en-US" sz="2400"/>
+              <a:t>A deployment</a:t>
+            </a:r>
+          </a:p>
+          <a:p>
+            <a:endParaRPr lang="en-US" sz="2400"/>
+          </a:p>
+        </p:txBody>
+      </p:sp>
     </p:spTree>
     <p:extLst>
       <p:ext uri="{BB962C8B-B14F-4D97-AF65-F5344CB8AC3E}">
@@ -5237,6 +6181,14 @@
 <file path=ppt/slides/slide7.xml><?xml version="1.0" encoding="utf-8"?>
 <p:sld xmlns:a="http://schemas.openxmlformats.org/drawingml/2006/main" xmlns:r="http://schemas.openxmlformats.org/officeDocument/2006/relationships" xmlns:p="http://schemas.openxmlformats.org/presentationml/2006/main">
   <p:cSld>
+    <p:bg>
+      <p:bgPr>
+        <a:solidFill>
+          <a:schemeClr val="bg1"/>
+        </a:solidFill>
+        <a:effectLst/>
+      </p:bgPr>
+    </p:bg>
     <p:spTree>
       <p:nvGrpSpPr>
         <p:cNvPr id="1" name=""/>
@@ -5251,48 +6203,127 @@
           <a:chExt cx="0" cy="0"/>
         </a:xfrm>
       </p:grpSpPr>
-      <p:pic>
-        <p:nvPicPr>
-          <p:cNvPr id="9" name="Content Placeholder 8">
+      <p:sp>
+        <p:nvSpPr>
+          <p:cNvPr id="14" name="Rectangle 13">
             <a:extLst>
               <a:ext uri="{FF2B5EF4-FFF2-40B4-BE49-F238E27FC236}">
-                <a16:creationId xmlns:a16="http://schemas.microsoft.com/office/drawing/2014/main" id="{9CD919DF-6752-499B-9333-9022E3789C5D}"/>
+                <a16:creationId xmlns:a16="http://schemas.microsoft.com/office/drawing/2014/main" id="{823AC064-BC96-4F32-8AE1-B2FD38754823}"/>
+              </a:ext>
+              <a:ext uri="{C183D7F6-B498-43B3-948B-1728B52AA6E4}">
+                <adec:decorative xmlns:adec="http://schemas.microsoft.com/office/drawing/2017/decorative" val="1"/>
               </a:ext>
             </a:extLst>
           </p:cNvPr>
-          <p:cNvPicPr>
-            <a:picLocks noGrp="1" noChangeAspect="1"/>
-          </p:cNvPicPr>
-          <p:nvPr>
-            <p:ph idx="1"/>
-          </p:nvPr>
-        </p:nvPicPr>
-        <p:blipFill>
-          <a:blip r:embed="rId2">
-            <a:extLst>
-              <a:ext uri="{28A0092B-C50C-407E-A947-70E740481C1C}">
-                <a14:useLocalDpi xmlns:a14="http://schemas.microsoft.com/office/drawing/2010/main" val="0"/>
-              </a:ext>
-            </a:extLst>
-          </a:blip>
-          <a:stretch>
-            <a:fillRect/>
-          </a:stretch>
-        </p:blipFill>
-        <p:spPr>
+          <p:cNvSpPr>
+            <a:spLocks noGrp="1" noRot="1" noChangeAspect="1" noMove="1" noResize="1" noEditPoints="1" noAdjustHandles="1" noChangeArrowheads="1" noChangeShapeType="1" noTextEdit="1"/>
+          </p:cNvSpPr>
+          <p:nvPr>
+            <p:extLst>
+              <p:ext uri="{386F3935-93C4-4BCD-93E2-E3B085C9AB24}">
+                <p16:designElem xmlns:p16="http://schemas.microsoft.com/office/powerpoint/2015/main" val="1"/>
+              </p:ext>
+            </p:extLst>
+          </p:nvPr>
+        </p:nvSpPr>
+        <p:spPr bwMode="ltGray">
           <a:xfrm>
-            <a:off x="1120478" y="1193397"/>
-            <a:ext cx="7009396" cy="4465060"/>
+            <a:off x="396882" y="280374"/>
+            <a:ext cx="11438793" cy="1844256"/>
           </a:xfrm>
           <a:prstGeom prst="rect">
             <a:avLst/>
           </a:prstGeom>
+          <a:solidFill>
+            <a:srgbClr val="404040"/>
+          </a:solidFill>
+          <a:ln w="127000" cap="sq" cmpd="thinThick">
+            <a:solidFill>
+              <a:srgbClr val="404040"/>
+            </a:solidFill>
+          </a:ln>
         </p:spPr>
-      </p:pic>
+        <p:style>
+          <a:lnRef idx="2">
+            <a:schemeClr val="accent1">
+              <a:shade val="50000"/>
+            </a:schemeClr>
+          </a:lnRef>
+          <a:fillRef idx="1">
+            <a:schemeClr val="accent1"/>
+          </a:fillRef>
+          <a:effectRef idx="0">
+            <a:schemeClr val="accent1"/>
+          </a:effectRef>
+          <a:fontRef idx="minor">
+            <a:schemeClr val="lt1"/>
+          </a:fontRef>
+        </p:style>
+        <p:txBody>
+          <a:bodyPr rtlCol="0" anchor="ctr"/>
+          <a:lstStyle/>
+          <a:p>
+            <a:pPr algn="ctr"/>
+            <a:endParaRPr lang="en-US"/>
+          </a:p>
+        </p:txBody>
+      </p:sp>
+      <p:cxnSp>
+        <p:nvCxnSpPr>
+          <p:cNvPr id="16" name="Straight Connector 15">
+            <a:extLst>
+              <a:ext uri="{FF2B5EF4-FFF2-40B4-BE49-F238E27FC236}">
+                <a16:creationId xmlns:a16="http://schemas.microsoft.com/office/drawing/2014/main" id="{7E7C77BC-7138-40B1-A15B-20F57A494629}"/>
+              </a:ext>
+              <a:ext uri="{C183D7F6-B498-43B3-948B-1728B52AA6E4}">
+                <adec:decorative xmlns:adec="http://schemas.microsoft.com/office/drawing/2017/decorative" val="1"/>
+              </a:ext>
+            </a:extLst>
+          </p:cNvPr>
+          <p:cNvCxnSpPr>
+            <a:cxnSpLocks noGrp="1" noRot="1" noChangeAspect="1" noMove="1" noResize="1" noEditPoints="1" noAdjustHandles="1" noChangeArrowheads="1" noChangeShapeType="1"/>
+          </p:cNvCxnSpPr>
+          <p:nvPr>
+            <p:extLst>
+              <p:ext uri="{386F3935-93C4-4BCD-93E2-E3B085C9AB24}">
+                <p16:designElem xmlns:p16="http://schemas.microsoft.com/office/powerpoint/2015/main" val="1"/>
+              </p:ext>
+            </p:extLst>
+          </p:nvPr>
+        </p:nvCxnSpPr>
+        <p:spPr>
+          <a:xfrm>
+            <a:off x="2230078" y="1522292"/>
+            <a:ext cx="7772400" cy="0"/>
+          </a:xfrm>
+          <a:prstGeom prst="line">
+            <a:avLst/>
+          </a:prstGeom>
+          <a:ln w="22225">
+            <a:solidFill>
+              <a:srgbClr val="D9D9D9"/>
+            </a:solidFill>
+          </a:ln>
+        </p:spPr>
+        <p:style>
+          <a:lnRef idx="1">
+            <a:schemeClr val="accent1"/>
+          </a:lnRef>
+          <a:fillRef idx="0">
+            <a:schemeClr val="accent1"/>
+          </a:fillRef>
+          <a:effectRef idx="0">
+            <a:schemeClr val="accent1"/>
+          </a:effectRef>
+          <a:fontRef idx="minor">
+            <a:schemeClr val="tx1"/>
+          </a:fontRef>
+        </p:style>
+      </p:cxnSp>
       <p:pic>
         <p:nvPicPr>
           <p:cNvPr id="3" name="Picture 3" descr="Image result for kubernetes">
-            <a:hlinkClick r:id="rId3"/>
+            <a:hlinkClick r:id="rId2"/>
             <a:extLst>
               <a:ext uri="{FF2B5EF4-FFF2-40B4-BE49-F238E27FC236}">
                 <a16:creationId xmlns:a16="http://schemas.microsoft.com/office/drawing/2014/main" id="{43D592DA-6AB4-4C5C-A5B0-A0B23D6CBF36}"/>
@@ -5305,7 +6336,7 @@
           <p:nvPr/>
         </p:nvPicPr>
         <p:blipFill>
-          <a:blip r:embed="rId4">
+          <a:blip r:embed="rId3">
             <a:extLst>
               <a:ext uri="{28A0092B-C50C-407E-A947-70E740481C1C}">
                 <a14:useLocalDpi xmlns:a14="http://schemas.microsoft.com/office/drawing/2010/main" val="0"/>
@@ -5319,8 +6350,8 @@
         </p:blipFill>
         <p:spPr bwMode="auto">
           <a:xfrm>
-            <a:off x="10002576" y="4823578"/>
-            <a:ext cx="1990725" cy="1943100"/>
+            <a:off x="1011716" y="2426818"/>
+            <a:ext cx="4095618" cy="3997637"/>
           </a:xfrm>
           <a:prstGeom prst="rect">
             <a:avLst/>
@@ -5335,6 +6366,96 @@
               </a14:hiddenFill>
             </a:ext>
           </a:extLst>
+        </p:spPr>
+      </p:pic>
+      <p:cxnSp>
+        <p:nvCxnSpPr>
+          <p:cNvPr id="18" name="Straight Connector 17">
+            <a:extLst>
+              <a:ext uri="{FF2B5EF4-FFF2-40B4-BE49-F238E27FC236}">
+                <a16:creationId xmlns:a16="http://schemas.microsoft.com/office/drawing/2014/main" id="{DB146403-F3D6-484B-B2ED-97F9565D0370}"/>
+              </a:ext>
+              <a:ext uri="{C183D7F6-B498-43B3-948B-1728B52AA6E4}">
+                <adec:decorative xmlns:adec="http://schemas.microsoft.com/office/drawing/2017/decorative" val="1"/>
+              </a:ext>
+            </a:extLst>
+          </p:cNvPr>
+          <p:cNvCxnSpPr>
+            <a:cxnSpLocks noGrp="1" noRot="1" noChangeAspect="1" noMove="1" noResize="1" noEditPoints="1" noAdjustHandles="1" noChangeArrowheads="1" noChangeShapeType="1"/>
+          </p:cNvCxnSpPr>
+          <p:nvPr>
+            <p:extLst>
+              <p:ext uri="{386F3935-93C4-4BCD-93E2-E3B085C9AB24}">
+                <p16:designElem xmlns:p16="http://schemas.microsoft.com/office/powerpoint/2015/main" val="1"/>
+              </p:ext>
+            </p:extLst>
+          </p:nvPr>
+        </p:nvCxnSpPr>
+        <p:spPr>
+          <a:xfrm>
+            <a:off x="6116278" y="2596836"/>
+            <a:ext cx="0" cy="3657600"/>
+          </a:xfrm>
+          <a:prstGeom prst="line">
+            <a:avLst/>
+          </a:prstGeom>
+          <a:ln w="101600" cmpd="dbl">
+            <a:solidFill>
+              <a:srgbClr val="595959"/>
+            </a:solidFill>
+          </a:ln>
+        </p:spPr>
+        <p:style>
+          <a:lnRef idx="1">
+            <a:schemeClr val="accent1"/>
+          </a:lnRef>
+          <a:fillRef idx="0">
+            <a:schemeClr val="accent1"/>
+          </a:fillRef>
+          <a:effectRef idx="0">
+            <a:schemeClr val="accent1"/>
+          </a:effectRef>
+          <a:fontRef idx="minor">
+            <a:schemeClr val="tx1"/>
+          </a:fontRef>
+        </p:style>
+      </p:cxnSp>
+      <p:pic>
+        <p:nvPicPr>
+          <p:cNvPr id="9" name="Content Placeholder 8">
+            <a:extLst>
+              <a:ext uri="{FF2B5EF4-FFF2-40B4-BE49-F238E27FC236}">
+                <a16:creationId xmlns:a16="http://schemas.microsoft.com/office/drawing/2014/main" id="{9CD919DF-6752-499B-9333-9022E3789C5D}"/>
+              </a:ext>
+            </a:extLst>
+          </p:cNvPr>
+          <p:cNvPicPr>
+            <a:picLocks noGrp="1" noChangeAspect="1"/>
+          </p:cNvPicPr>
+          <p:nvPr>
+            <p:ph idx="1"/>
+          </p:nvPr>
+        </p:nvPicPr>
+        <p:blipFill>
+          <a:blip r:embed="rId4">
+            <a:extLst>
+              <a:ext uri="{28A0092B-C50C-407E-A947-70E740481C1C}">
+                <a14:useLocalDpi xmlns:a14="http://schemas.microsoft.com/office/drawing/2010/main" val="0"/>
+              </a:ext>
+            </a:extLst>
+          </a:blip>
+          <a:stretch>
+            <a:fillRect/>
+          </a:stretch>
+        </p:blipFill>
+        <p:spPr>
+          <a:xfrm>
+            <a:off x="6445073" y="2687898"/>
+            <a:ext cx="5455917" cy="3475477"/>
+          </a:xfrm>
+          <a:prstGeom prst="rect">
+            <a:avLst/>
+          </a:prstGeom>
         </p:spPr>
       </p:pic>
     </p:spTree>
